--- a/Presentation1.pptx
+++ b/Presentation1.pptx
@@ -5,7 +5,7 @@
     <p:sldMasterId id="2147483840" r:id="rId1"/>
   </p:sldMasterIdLst>
   <p:notesMasterIdLst>
-    <p:notesMasterId r:id="rId15"/>
+    <p:notesMasterId r:id="rId16"/>
   </p:notesMasterIdLst>
   <p:sldIdLst>
     <p:sldId id="256" r:id="rId2"/>
@@ -19,8 +19,9 @@
     <p:sldId id="268" r:id="rId10"/>
     <p:sldId id="269" r:id="rId11"/>
     <p:sldId id="262" r:id="rId12"/>
-    <p:sldId id="272" r:id="rId13"/>
-    <p:sldId id="263" r:id="rId14"/>
+    <p:sldId id="263" r:id="rId13"/>
+    <p:sldId id="272" r:id="rId14"/>
+    <p:sldId id="274" r:id="rId15"/>
   </p:sldIdLst>
   <p:sldSz cx="12192000" cy="6858000"/>
   <p:notesSz cx="6858000" cy="9144000"/>
@@ -3169,8 +3170,8 @@
         </a:p>
       </dgm:t>
     </dgm:pt>
-    <mc:AlternateContent xmlns:mc="http://schemas.openxmlformats.org/markup-compatibility/2006">
-      <mc:Choice xmlns:a14="http://schemas.microsoft.com/office/drawing/2010/main" Requires="a14">
+    <mc:AlternateContent xmlns:mc="http://schemas.openxmlformats.org/markup-compatibility/2006" xmlns:a14="http://schemas.microsoft.com/office/drawing/2010/main">
+      <mc:Choice Requires="a14">
         <dgm:pt modelId="{FA3CEB27-593D-844B-8A6F-173D9E2702B7}">
           <dgm:prSet phldrT="[Text]"/>
           <dgm:spPr/>
@@ -3200,7 +3201,7 @@
           </dgm:t>
         </dgm:pt>
       </mc:Choice>
-      <mc:Fallback>
+      <mc:Fallback xmlns="">
         <dgm:pt modelId="{FA3CEB27-593D-844B-8A6F-173D9E2702B7}">
           <dgm:prSet phldrT="[Text]"/>
           <dgm:spPr/>
@@ -3298,7 +3299,7 @@
   <dgm:whole/>
   <dgm:extLst>
     <a:ext uri="http://schemas.microsoft.com/office/drawing/2008/diagram">
-      <dsp:dataModelExt xmlns:dsp="http://schemas.microsoft.com/office/drawing/2008/diagram" relId="rId6" minVer="http://schemas.openxmlformats.org/drawingml/2006/diagram"/>
+      <dsp:dataModelExt xmlns:dsp="http://schemas.microsoft.com/office/drawing/2008/diagram" relId="rId7" minVer="http://schemas.openxmlformats.org/drawingml/2006/diagram"/>
     </a:ext>
   </dgm:extLst>
 </dgm:dataModel>
@@ -3490,8 +3491,8 @@
         </a:p>
       </dgm:t>
     </dgm:pt>
-    <mc:AlternateContent xmlns:mc="http://schemas.openxmlformats.org/markup-compatibility/2006">
-      <mc:Choice xmlns:a14="http://schemas.microsoft.com/office/drawing/2010/main" Requires="a14">
+    <mc:AlternateContent xmlns:mc="http://schemas.openxmlformats.org/markup-compatibility/2006" xmlns:a14="http://schemas.microsoft.com/office/drawing/2010/main">
+      <mc:Choice Requires="a14">
         <dgm:pt modelId="{FA3CEB27-593D-844B-8A6F-173D9E2702B7}">
           <dgm:prSet phldrT="[Text]"/>
           <dgm:spPr/>
@@ -3521,7 +3522,7 @@
           </dgm:t>
         </dgm:pt>
       </mc:Choice>
-      <mc:Fallback>
+      <mc:Fallback xmlns="">
         <dgm:pt modelId="{FA3CEB27-593D-844B-8A6F-173D9E2702B7}">
           <dgm:prSet phldrT="[Text]"/>
           <dgm:spPr/>
@@ -3619,7 +3620,7 @@
   <dgm:whole/>
   <dgm:extLst>
     <a:ext uri="http://schemas.microsoft.com/office/drawing/2008/diagram">
-      <dsp:dataModelExt xmlns:dsp="http://schemas.microsoft.com/office/drawing/2008/diagram" relId="rId12" minVer="http://schemas.openxmlformats.org/drawingml/2006/diagram"/>
+      <dsp:dataModelExt xmlns:dsp="http://schemas.microsoft.com/office/drawing/2008/diagram" relId="rId16" minVer="http://schemas.openxmlformats.org/drawingml/2006/diagram"/>
     </a:ext>
   </dgm:extLst>
 </dgm:dataModel>
@@ -3811,8 +3812,8 @@
         </a:p>
       </dgm:t>
     </dgm:pt>
-    <mc:AlternateContent xmlns:mc="http://schemas.openxmlformats.org/markup-compatibility/2006">
-      <mc:Choice xmlns:a14="http://schemas.microsoft.com/office/drawing/2010/main" Requires="a14">
+    <mc:AlternateContent xmlns:mc="http://schemas.openxmlformats.org/markup-compatibility/2006" xmlns:a14="http://schemas.microsoft.com/office/drawing/2010/main">
+      <mc:Choice Requires="a14">
         <dgm:pt modelId="{FA3CEB27-593D-844B-8A6F-173D9E2702B7}">
           <dgm:prSet phldrT="[Text]"/>
           <dgm:spPr/>
@@ -3842,7 +3843,7 @@
           </dgm:t>
         </dgm:pt>
       </mc:Choice>
-      <mc:Fallback>
+      <mc:Fallback xmlns="">
         <dgm:pt modelId="{FA3CEB27-593D-844B-8A6F-173D9E2702B7}">
           <dgm:prSet phldrT="[Text]"/>
           <dgm:spPr/>
@@ -3940,7 +3941,7 @@
   <dgm:whole/>
   <dgm:extLst>
     <a:ext uri="http://schemas.microsoft.com/office/drawing/2008/diagram">
-      <dsp:dataModelExt xmlns:dsp="http://schemas.microsoft.com/office/drawing/2008/diagram" relId="rId18" minVer="http://schemas.openxmlformats.org/drawingml/2006/diagram"/>
+      <dsp:dataModelExt xmlns:dsp="http://schemas.microsoft.com/office/drawing/2008/diagram" relId="rId25" minVer="http://schemas.openxmlformats.org/drawingml/2006/diagram"/>
     </a:ext>
   </dgm:extLst>
 </dgm:dataModel>
@@ -10742,7 +10743,7 @@
           <a:p>
             <a:fld id="{14AB4AE7-9E27-844B-A89B-DF2183097A6A}" type="datetimeFigureOut">
               <a:rPr lang="en-US" smtClean="0"/>
-              <a:t>5/17/18</a:t>
+              <a:t>5/21/18</a:t>
             </a:fld>
             <a:endParaRPr lang="en-US"/>
           </a:p>
@@ -11055,19 +11056,13 @@
           <a:p>
             <a:r>
               <a:rPr lang="en-US" dirty="0"/>
-              <a:t>I obtained an Associate of Applied Science Degree from Mesa Community College and in the process of looking for opportunities, I stumbled upon Galvanize and was intrigued by the opportunity to expand on my programming skills.</a:t>
+              <a:t>Good afternoon, my name is Aaron McDonald and today we will be exploring a few different models in attempt to predict a baseball player’s batting average</a:t>
             </a:r>
           </a:p>
           <a:p>
             <a:r>
               <a:rPr lang="en-US" dirty="0"/>
-              <a:t>I’ve kind of always been interested in the information that can be gained from data and the stories/explanations derived from it.  Working at QuikTrip for 8 years, we were regularly handed packets of data and it was up to us to interpret it.</a:t>
-            </a:r>
-          </a:p>
-          <a:p>
-            <a:r>
-              <a:rPr lang="en-US" dirty="0"/>
-              <a:t>With the growing world of analytics in sports, I’ve become more and more interested in looking at this data and trying to interpret what it says about a team or player.</a:t>
+              <a:t>&lt;add baseball bat&gt; </a:t>
             </a:r>
           </a:p>
         </p:txBody>
@@ -11089,7 +11084,7 @@
           <a:p>
             <a:fld id="{768F1364-37D3-D540-B941-3E2E1E93653C}" type="slidenum">
               <a:rPr lang="en-US" smtClean="0"/>
-              <a:t>2</a:t>
+              <a:t>1</a:t>
             </a:fld>
             <a:endParaRPr lang="en-US"/>
           </a:p>
@@ -11098,7 +11093,151 @@
     </p:spTree>
     <p:extLst>
       <p:ext uri="{BB962C8B-B14F-4D97-AF65-F5344CB8AC3E}">
-        <p14:creationId xmlns:p14="http://schemas.microsoft.com/office/powerpoint/2010/main" val="4117841792"/>
+        <p14:creationId xmlns:p14="http://schemas.microsoft.com/office/powerpoint/2010/main" val="2310412825"/>
+      </p:ext>
+    </p:extLst>
+  </p:cSld>
+  <p:clrMapOvr>
+    <a:masterClrMapping/>
+  </p:clrMapOvr>
+</p:notes>
+</file>
+
+<file path=ppt/notesSlides/notesSlide10.xml><?xml version="1.0" encoding="utf-8"?>
+<p:notes xmlns:a="http://schemas.openxmlformats.org/drawingml/2006/main" xmlns:r="http://schemas.openxmlformats.org/officeDocument/2006/relationships" xmlns:p="http://schemas.openxmlformats.org/presentationml/2006/main">
+  <p:cSld>
+    <p:spTree>
+      <p:nvGrpSpPr>
+        <p:cNvPr id="1" name=""/>
+        <p:cNvGrpSpPr/>
+        <p:nvPr/>
+      </p:nvGrpSpPr>
+      <p:grpSpPr>
+        <a:xfrm>
+          <a:off x="0" y="0"/>
+          <a:ext cx="0" cy="0"/>
+          <a:chOff x="0" y="0"/>
+          <a:chExt cx="0" cy="0"/>
+        </a:xfrm>
+      </p:grpSpPr>
+      <p:sp>
+        <p:nvSpPr>
+          <p:cNvPr id="2" name="Slide Image Placeholder 1"/>
+          <p:cNvSpPr>
+            <a:spLocks noGrp="1" noRot="1" noChangeAspect="1"/>
+          </p:cNvSpPr>
+          <p:nvPr>
+            <p:ph type="sldImg"/>
+          </p:nvPr>
+        </p:nvSpPr>
+        <p:spPr/>
+      </p:sp>
+      <p:sp>
+        <p:nvSpPr>
+          <p:cNvPr id="3" name="Notes Placeholder 2"/>
+          <p:cNvSpPr>
+            <a:spLocks noGrp="1"/>
+          </p:cNvSpPr>
+          <p:nvPr>
+            <p:ph type="body" idx="1"/>
+          </p:nvPr>
+        </p:nvSpPr>
+        <p:spPr/>
+        <p:txBody>
+          <a:bodyPr/>
+          <a:lstStyle/>
+          <a:p>
+            <a:r>
+              <a:rPr lang="en-US" dirty="0"/>
+              <a:t>- LSTM models are a type of </a:t>
+            </a:r>
+            <a:r>
+              <a:rPr lang="en-US" b="1" dirty="0"/>
+              <a:t>RECURRANT NEURAL NETWORK</a:t>
+            </a:r>
+            <a:r>
+              <a:rPr lang="en-US" b="0" dirty="0"/>
+              <a:t> which attempts to learn like we do</a:t>
+            </a:r>
+          </a:p>
+          <a:p>
+            <a:pPr marL="171450" indent="-171450">
+              <a:buFontTx/>
+              <a:buChar char="-"/>
+            </a:pPr>
+            <a:r>
+              <a:rPr lang="en-US" b="0" dirty="0"/>
+              <a:t>Takes initial input, moves to next layer, learns more while considering what it learned in the previous layers</a:t>
+            </a:r>
+          </a:p>
+          <a:p>
+            <a:pPr marL="171450" indent="-171450">
+              <a:buFontTx/>
+              <a:buChar char="-"/>
+            </a:pPr>
+            <a:r>
+              <a:rPr lang="en-US" b="0" dirty="0"/>
+              <a:t>Single player predictions, </a:t>
+            </a:r>
+            <a:r>
+              <a:rPr lang="en-US" b="0" dirty="0" err="1"/>
+              <a:t>Goldy</a:t>
+            </a:r>
+            <a:r>
+              <a:rPr lang="en-US" b="0" dirty="0"/>
+              <a:t> back to decision tree similar to decision tree, Allen similar to Random Forest</a:t>
+            </a:r>
+          </a:p>
+          <a:p>
+            <a:pPr marL="171450" indent="-171450">
+              <a:buFontTx/>
+              <a:buChar char="-"/>
+            </a:pPr>
+            <a:r>
+              <a:rPr lang="en-US" b="0" dirty="0"/>
+              <a:t>R2 not great, could be improved by exploring stats to leave out</a:t>
+            </a:r>
+          </a:p>
+          <a:p>
+            <a:pPr marL="171450" indent="-171450">
+              <a:buFontTx/>
+              <a:buChar char="-"/>
+            </a:pPr>
+            <a:r>
+              <a:rPr lang="en-US" b="0" dirty="0"/>
+              <a:t>Range, top 5, bottom 5, x-players predicted perfectly</a:t>
+            </a:r>
+            <a:endParaRPr lang="en-US" dirty="0"/>
+          </a:p>
+        </p:txBody>
+      </p:sp>
+      <p:sp>
+        <p:nvSpPr>
+          <p:cNvPr id="4" name="Slide Number Placeholder 3"/>
+          <p:cNvSpPr>
+            <a:spLocks noGrp="1"/>
+          </p:cNvSpPr>
+          <p:nvPr>
+            <p:ph type="sldNum" sz="quarter" idx="10"/>
+          </p:nvPr>
+        </p:nvSpPr>
+        <p:spPr/>
+        <p:txBody>
+          <a:bodyPr/>
+          <a:lstStyle/>
+          <a:p>
+            <a:fld id="{768F1364-37D3-D540-B941-3E2E1E93653C}" type="slidenum">
+              <a:rPr lang="en-US" smtClean="0"/>
+              <a:t>10</a:t>
+            </a:fld>
+            <a:endParaRPr lang="en-US"/>
+          </a:p>
+        </p:txBody>
+      </p:sp>
+    </p:spTree>
+    <p:extLst>
+      <p:ext uri="{BB962C8B-B14F-4D97-AF65-F5344CB8AC3E}">
+        <p14:creationId xmlns:p14="http://schemas.microsoft.com/office/powerpoint/2010/main" val="2769714611"/>
       </p:ext>
     </p:extLst>
   </p:cSld>
@@ -11152,23 +11291,33 @@
           <a:bodyPr/>
           <a:lstStyle/>
           <a:p>
+            <a:pPr marL="171450" indent="-171450">
+              <a:buFontTx/>
+              <a:buChar char="-"/>
+            </a:pPr>
             <a:r>
               <a:rPr lang="en-US" dirty="0"/>
-              <a:t>Big motivation for this project was my love for baseball and the ability to combine what I’ve learned with what I love</a:t>
+              <a:t>AAS Computer Programming from MCC in May 2017</a:t>
             </a:r>
           </a:p>
           <a:p>
+            <a:pPr marL="171450" indent="-171450">
+              <a:buFontTx/>
+              <a:buChar char="-"/>
+            </a:pPr>
             <a:r>
               <a:rPr lang="en-US" dirty="0"/>
-              <a:t>I’ve had a growing interest in the world of </a:t>
+              <a:t>While exploring opportunities, stumbled upon Galvanize Data Science program</a:t>
             </a:r>
-            <a:r>
-              <a:rPr lang="en-US" dirty="0" err="1"/>
-              <a:t>SABRmetrics</a:t>
-            </a:r>
+          </a:p>
+          <a:p>
+            <a:pPr marL="171450" indent="-171450">
+              <a:buFontTx/>
+              <a:buChar char="-"/>
+            </a:pPr>
             <a:r>
               <a:rPr lang="en-US" dirty="0"/>
-              <a:t> which many see as the exploration of baseball through its statistics.</a:t>
+              <a:t>Decided to attend to expand skillset as a programmer and gain new skills in the world of Data Science</a:t>
             </a:r>
           </a:p>
         </p:txBody>
@@ -11190,7 +11339,7 @@
           <a:p>
             <a:fld id="{768F1364-37D3-D540-B941-3E2E1E93653C}" type="slidenum">
               <a:rPr lang="en-US" smtClean="0"/>
-              <a:t>3</a:t>
+              <a:t>2</a:t>
             </a:fld>
             <a:endParaRPr lang="en-US"/>
           </a:p>
@@ -11199,7 +11348,7 @@
     </p:spTree>
     <p:extLst>
       <p:ext uri="{BB962C8B-B14F-4D97-AF65-F5344CB8AC3E}">
-        <p14:creationId xmlns:p14="http://schemas.microsoft.com/office/powerpoint/2010/main" val="1378256597"/>
+        <p14:creationId xmlns:p14="http://schemas.microsoft.com/office/powerpoint/2010/main" val="4117841792"/>
       </p:ext>
     </p:extLst>
   </p:cSld>
@@ -11253,27 +11402,46 @@
           <a:bodyPr/>
           <a:lstStyle/>
           <a:p>
+            <a:pPr marL="171450" indent="-171450">
+              <a:buFontTx/>
+              <a:buChar char="-"/>
+            </a:pPr>
             <a:r>
               <a:rPr lang="en-US" dirty="0"/>
-              <a:t>An essential role of every professional sports team is the General Manager.  </a:t>
+              <a:t>Mild obsession with baseball</a:t>
             </a:r>
           </a:p>
           <a:p>
+            <a:pPr marL="171450" indent="-171450">
+              <a:buFontTx/>
+              <a:buChar char="-"/>
+            </a:pPr>
             <a:r>
               <a:rPr lang="en-US" dirty="0"/>
-              <a:t>It’s their job to draft and sign players that give the team the best chance to win.</a:t>
+              <a:t>Always interested in the intersection of sports &amp; technology</a:t>
             </a:r>
           </a:p>
           <a:p>
+            <a:pPr marL="171450" marR="0" lvl="0" indent="-171450" algn="l" defTabSz="914400" rtl="0" eaLnBrk="1" fontAlgn="auto" latinLnBrk="0" hangingPunct="1">
+              <a:lnSpc>
+                <a:spcPct val="100000"/>
+              </a:lnSpc>
+              <a:spcBef>
+                <a:spcPts val="0"/>
+              </a:spcBef>
+              <a:spcAft>
+                <a:spcPts val="0"/>
+              </a:spcAft>
+              <a:buClrTx/>
+              <a:buSzTx/>
+              <a:buFontTx/>
+              <a:buChar char="-"/>
+              <a:tabLst/>
+              <a:defRPr/>
+            </a:pPr>
             <a:r>
               <a:rPr lang="en-US" dirty="0"/>
-              <a:t>Those that are considered the best are the ones that are able to use their experience and the data that’s given to them to project player performance into the future.</a:t>
-            </a:r>
-          </a:p>
-          <a:p>
-            <a:r>
-              <a:rPr lang="en-US" dirty="0"/>
-              <a:t>The idea of this project was too see if a model could be created that a General Manager might use to assist their decision making, particularly when it comes projecting free agents.</a:t>
+              <a:t>Recently became interested in the analytics side of baseball </a:t>
             </a:r>
           </a:p>
         </p:txBody>
@@ -11295,7 +11463,7 @@
           <a:p>
             <a:fld id="{768F1364-37D3-D540-B941-3E2E1E93653C}" type="slidenum">
               <a:rPr lang="en-US" smtClean="0"/>
-              <a:t>4</a:t>
+              <a:t>3</a:t>
             </a:fld>
             <a:endParaRPr lang="en-US"/>
           </a:p>
@@ -11304,7 +11472,7 @@
     </p:spTree>
     <p:extLst>
       <p:ext uri="{BB962C8B-B14F-4D97-AF65-F5344CB8AC3E}">
-        <p14:creationId xmlns:p14="http://schemas.microsoft.com/office/powerpoint/2010/main" val="3198252790"/>
+        <p14:creationId xmlns:p14="http://schemas.microsoft.com/office/powerpoint/2010/main" val="1378256597"/>
       </p:ext>
     </p:extLst>
   </p:cSld>
@@ -11360,19 +11528,45 @@
           <a:p>
             <a:r>
               <a:rPr lang="en-US" dirty="0"/>
-              <a:t>Carry over,</a:t>
+              <a:t>- POV of a GM</a:t>
             </a:r>
           </a:p>
           <a:p>
             <a:r>
               <a:rPr lang="en-US" dirty="0"/>
-              <a:t>Total average,</a:t>
+              <a:t>- Players reach free agency after 6 years of MLB service</a:t>
             </a:r>
           </a:p>
           <a:p>
             <a:r>
               <a:rPr lang="en-US" dirty="0"/>
-              <a:t>Moving average?</a:t>
+              <a:t>- Look at other players in history as well as current</a:t>
+            </a:r>
+          </a:p>
+          <a:p>
+            <a:r>
+              <a:rPr lang="en-US" dirty="0"/>
+              <a:t>- Decision tree splits observations based on whether or not they meet certain criteria</a:t>
+            </a:r>
+          </a:p>
+          <a:p>
+            <a:pPr marL="171450" indent="-171450">
+              <a:buFontTx/>
+              <a:buChar char="-"/>
+            </a:pPr>
+            <a:r>
+              <a:rPr lang="en-US" dirty="0"/>
+              <a:t>RNNs use their memory or what they've already learned to process new information</a:t>
+            </a:r>
+          </a:p>
+          <a:p>
+            <a:pPr marL="171450" indent="-171450">
+              <a:buFontTx/>
+              <a:buChar char="-"/>
+            </a:pPr>
+            <a:r>
+              <a:rPr lang="en-US" dirty="0"/>
+              <a:t>LSTM improves on RNN models in that it maintains memory over a long period of time</a:t>
             </a:r>
           </a:p>
         </p:txBody>
@@ -11394,7 +11588,7 @@
           <a:p>
             <a:fld id="{768F1364-37D3-D540-B941-3E2E1E93653C}" type="slidenum">
               <a:rPr lang="en-US" smtClean="0"/>
-              <a:t>7</a:t>
+              <a:t>4</a:t>
             </a:fld>
             <a:endParaRPr lang="en-US"/>
           </a:p>
@@ -11403,7 +11597,7 @@
     </p:spTree>
     <p:extLst>
       <p:ext uri="{BB962C8B-B14F-4D97-AF65-F5344CB8AC3E}">
-        <p14:creationId xmlns:p14="http://schemas.microsoft.com/office/powerpoint/2010/main" val="3203793667"/>
+        <p14:creationId xmlns:p14="http://schemas.microsoft.com/office/powerpoint/2010/main" val="3198252790"/>
       </p:ext>
     </p:extLst>
   </p:cSld>
@@ -11459,13 +11653,38 @@
           <a:p>
             <a:r>
               <a:rPr lang="en-US" dirty="0"/>
-              <a:t>The first model I explored was the Decision Tree.</a:t>
+              <a:t>- </a:t>
+            </a:r>
+            <a:r>
+              <a:rPr lang="en-US" dirty="0" err="1"/>
+              <a:t>www.seanlahman.com</a:t>
+            </a:r>
+            <a:endParaRPr lang="en-US" dirty="0"/>
+          </a:p>
+          <a:p>
+            <a:r>
+              <a:rPr lang="en-US" dirty="0"/>
+              <a:t>- known for his database of baseball statistics that ranges all the way back to the 1800s</a:t>
             </a:r>
           </a:p>
           <a:p>
             <a:r>
               <a:rPr lang="en-US" dirty="0"/>
-              <a:t>This one gave decent </a:t>
+              <a:t>- transferred data to Pandas </a:t>
+            </a:r>
+            <a:r>
+              <a:rPr lang="en-US" dirty="0" err="1"/>
+              <a:t>dataframes</a:t>
+            </a:r>
+            <a:r>
+              <a:rPr lang="en-US" dirty="0"/>
+              <a:t> for processing and feature engineering </a:t>
+            </a:r>
+          </a:p>
+          <a:p>
+            <a:r>
+              <a:rPr lang="en-US" dirty="0"/>
+              <a:t>&lt;add source to screen, get screenshot with column names&gt;</a:t>
             </a:r>
           </a:p>
         </p:txBody>
@@ -11487,7 +11706,7 @@
           <a:p>
             <a:fld id="{768F1364-37D3-D540-B941-3E2E1E93653C}" type="slidenum">
               <a:rPr lang="en-US" smtClean="0"/>
-              <a:t>8</a:t>
+              <a:t>5</a:t>
             </a:fld>
             <a:endParaRPr lang="en-US"/>
           </a:p>
@@ -11496,7 +11715,7 @@
     </p:spTree>
     <p:extLst>
       <p:ext uri="{BB962C8B-B14F-4D97-AF65-F5344CB8AC3E}">
-        <p14:creationId xmlns:p14="http://schemas.microsoft.com/office/powerpoint/2010/main" val="2568177199"/>
+        <p14:creationId xmlns:p14="http://schemas.microsoft.com/office/powerpoint/2010/main" val="2393371523"/>
       </p:ext>
     </p:extLst>
   </p:cSld>
@@ -11550,9 +11769,436 @@
           <a:bodyPr/>
           <a:lstStyle/>
           <a:p>
+            <a:pPr marL="171450" indent="-171450">
+              <a:buFontTx/>
+              <a:buChar char="-"/>
+            </a:pPr>
             <a:r>
               <a:rPr lang="en-US" dirty="0"/>
-              <a:t>MSE: </a:t>
+              <a:t>Biggest challenge was getting the type of players needed</a:t>
+            </a:r>
+          </a:p>
+          <a:p>
+            <a:pPr marL="171450" indent="-171450">
+              <a:buFontTx/>
+              <a:buChar char="-"/>
+            </a:pPr>
+            <a:r>
+              <a:rPr lang="en-US" dirty="0"/>
+              <a:t>Needed players with 7 years history, 6 for training, 7</a:t>
+            </a:r>
+            <a:r>
+              <a:rPr lang="en-US" baseline="30000" dirty="0"/>
+              <a:t>th</a:t>
+            </a:r>
+            <a:r>
+              <a:rPr lang="en-US" dirty="0"/>
+              <a:t> to evaluate against</a:t>
+            </a:r>
+          </a:p>
+        </p:txBody>
+      </p:sp>
+      <p:sp>
+        <p:nvSpPr>
+          <p:cNvPr id="4" name="Slide Number Placeholder 3"/>
+          <p:cNvSpPr>
+            <a:spLocks noGrp="1"/>
+          </p:cNvSpPr>
+          <p:nvPr>
+            <p:ph type="sldNum" sz="quarter" idx="10"/>
+          </p:nvPr>
+        </p:nvSpPr>
+        <p:spPr/>
+        <p:txBody>
+          <a:bodyPr/>
+          <a:lstStyle/>
+          <a:p>
+            <a:fld id="{768F1364-37D3-D540-B941-3E2E1E93653C}" type="slidenum">
+              <a:rPr lang="en-US" smtClean="0"/>
+              <a:t>6</a:t>
+            </a:fld>
+            <a:endParaRPr lang="en-US"/>
+          </a:p>
+        </p:txBody>
+      </p:sp>
+    </p:spTree>
+    <p:extLst>
+      <p:ext uri="{BB962C8B-B14F-4D97-AF65-F5344CB8AC3E}">
+        <p14:creationId xmlns:p14="http://schemas.microsoft.com/office/powerpoint/2010/main" val="1536852931"/>
+      </p:ext>
+    </p:extLst>
+  </p:cSld>
+  <p:clrMapOvr>
+    <a:masterClrMapping/>
+  </p:clrMapOvr>
+</p:notes>
+</file>
+
+<file path=ppt/notesSlides/notesSlide7.xml><?xml version="1.0" encoding="utf-8"?>
+<p:notes xmlns:a="http://schemas.openxmlformats.org/drawingml/2006/main" xmlns:r="http://schemas.openxmlformats.org/officeDocument/2006/relationships" xmlns:p="http://schemas.openxmlformats.org/presentationml/2006/main">
+  <p:cSld>
+    <p:spTree>
+      <p:nvGrpSpPr>
+        <p:cNvPr id="1" name=""/>
+        <p:cNvGrpSpPr/>
+        <p:nvPr/>
+      </p:nvGrpSpPr>
+      <p:grpSpPr>
+        <a:xfrm>
+          <a:off x="0" y="0"/>
+          <a:ext cx="0" cy="0"/>
+          <a:chOff x="0" y="0"/>
+          <a:chExt cx="0" cy="0"/>
+        </a:xfrm>
+      </p:grpSpPr>
+      <p:sp>
+        <p:nvSpPr>
+          <p:cNvPr id="2" name="Slide Image Placeholder 1"/>
+          <p:cNvSpPr>
+            <a:spLocks noGrp="1" noRot="1" noChangeAspect="1"/>
+          </p:cNvSpPr>
+          <p:nvPr>
+            <p:ph type="sldImg"/>
+          </p:nvPr>
+        </p:nvSpPr>
+        <p:spPr/>
+      </p:sp>
+      <p:sp>
+        <p:nvSpPr>
+          <p:cNvPr id="3" name="Notes Placeholder 2"/>
+          <p:cNvSpPr>
+            <a:spLocks noGrp="1"/>
+          </p:cNvSpPr>
+          <p:nvPr>
+            <p:ph type="body" idx="1"/>
+          </p:nvPr>
+        </p:nvSpPr>
+        <p:spPr/>
+        <p:txBody>
+          <a:bodyPr/>
+          <a:lstStyle/>
+          <a:p>
+            <a:r>
+              <a:rPr lang="en-US" dirty="0"/>
+              <a:t>- Carry over</a:t>
+            </a:r>
+          </a:p>
+          <a:p>
+            <a:r>
+              <a:rPr lang="en-US" dirty="0"/>
+              <a:t>- Total average</a:t>
+            </a:r>
+          </a:p>
+          <a:p>
+            <a:r>
+              <a:rPr lang="en-US" dirty="0"/>
+              <a:t>&lt;Note about range of differences&gt;</a:t>
+            </a:r>
+          </a:p>
+          <a:p>
+            <a:pPr marL="171450" indent="-171450">
+              <a:buFontTx/>
+              <a:buChar char="-"/>
+            </a:pPr>
+            <a:r>
+              <a:rPr lang="en-US" dirty="0"/>
+              <a:t>Make it better?</a:t>
+            </a:r>
+          </a:p>
+          <a:p>
+            <a:pPr marL="171450" indent="-171450">
+              <a:buFontTx/>
+              <a:buChar char="-"/>
+            </a:pPr>
+            <a:r>
+              <a:rPr lang="en-US" dirty="0"/>
+              <a:t>MSE: average of differences between the actual and the predicted, then squared</a:t>
+            </a:r>
+          </a:p>
+          <a:p>
+            <a:pPr marL="171450" indent="-171450">
+              <a:buFontTx/>
+              <a:buChar char="-"/>
+            </a:pPr>
+            <a:r>
+              <a:rPr lang="en-US" dirty="0"/>
+              <a:t>RMSE: </a:t>
+            </a:r>
+            <a:r>
+              <a:rPr lang="en-US" dirty="0" err="1"/>
+              <a:t>sqare</a:t>
+            </a:r>
+            <a:r>
+              <a:rPr lang="en-US" dirty="0"/>
+              <a:t> root of MSE</a:t>
+            </a:r>
+          </a:p>
+          <a:p>
+            <a:pPr marL="171450" indent="-171450">
+              <a:buFontTx/>
+              <a:buChar char="-"/>
+            </a:pPr>
+            <a:r>
+              <a:rPr lang="en-US" dirty="0"/>
+              <a:t>R2: answers the question: How well do the other stats predict the batting average?</a:t>
+            </a:r>
+          </a:p>
+        </p:txBody>
+      </p:sp>
+      <p:sp>
+        <p:nvSpPr>
+          <p:cNvPr id="4" name="Slide Number Placeholder 3"/>
+          <p:cNvSpPr>
+            <a:spLocks noGrp="1"/>
+          </p:cNvSpPr>
+          <p:nvPr>
+            <p:ph type="sldNum" sz="quarter" idx="10"/>
+          </p:nvPr>
+        </p:nvSpPr>
+        <p:spPr/>
+        <p:txBody>
+          <a:bodyPr/>
+          <a:lstStyle/>
+          <a:p>
+            <a:fld id="{768F1364-37D3-D540-B941-3E2E1E93653C}" type="slidenum">
+              <a:rPr lang="en-US" smtClean="0"/>
+              <a:t>7</a:t>
+            </a:fld>
+            <a:endParaRPr lang="en-US"/>
+          </a:p>
+        </p:txBody>
+      </p:sp>
+    </p:spTree>
+    <p:extLst>
+      <p:ext uri="{BB962C8B-B14F-4D97-AF65-F5344CB8AC3E}">
+        <p14:creationId xmlns:p14="http://schemas.microsoft.com/office/powerpoint/2010/main" val="3203793667"/>
+      </p:ext>
+    </p:extLst>
+  </p:cSld>
+  <p:clrMapOvr>
+    <a:masterClrMapping/>
+  </p:clrMapOvr>
+</p:notes>
+</file>
+
+<file path=ppt/notesSlides/notesSlide8.xml><?xml version="1.0" encoding="utf-8"?>
+<p:notes xmlns:a="http://schemas.openxmlformats.org/drawingml/2006/main" xmlns:r="http://schemas.openxmlformats.org/officeDocument/2006/relationships" xmlns:p="http://schemas.openxmlformats.org/presentationml/2006/main">
+  <p:cSld>
+    <p:spTree>
+      <p:nvGrpSpPr>
+        <p:cNvPr id="1" name=""/>
+        <p:cNvGrpSpPr/>
+        <p:nvPr/>
+      </p:nvGrpSpPr>
+      <p:grpSpPr>
+        <a:xfrm>
+          <a:off x="0" y="0"/>
+          <a:ext cx="0" cy="0"/>
+          <a:chOff x="0" y="0"/>
+          <a:chExt cx="0" cy="0"/>
+        </a:xfrm>
+      </p:grpSpPr>
+      <p:sp>
+        <p:nvSpPr>
+          <p:cNvPr id="2" name="Slide Image Placeholder 1"/>
+          <p:cNvSpPr>
+            <a:spLocks noGrp="1" noRot="1" noChangeAspect="1"/>
+          </p:cNvSpPr>
+          <p:nvPr>
+            <p:ph type="sldImg"/>
+          </p:nvPr>
+        </p:nvSpPr>
+        <p:spPr/>
+      </p:sp>
+      <p:sp>
+        <p:nvSpPr>
+          <p:cNvPr id="3" name="Notes Placeholder 2"/>
+          <p:cNvSpPr>
+            <a:spLocks noGrp="1"/>
+          </p:cNvSpPr>
+          <p:nvPr>
+            <p:ph type="body" idx="1"/>
+          </p:nvPr>
+        </p:nvSpPr>
+        <p:spPr/>
+        <p:txBody>
+          <a:bodyPr/>
+          <a:lstStyle/>
+          <a:p>
+            <a:r>
+              <a:rPr lang="en-US" dirty="0"/>
+              <a:t>The first model I explored was the Decision Tree.</a:t>
+            </a:r>
+          </a:p>
+          <a:p>
+            <a:pPr marL="171450" indent="-171450">
+              <a:buFontTx/>
+              <a:buChar char="-"/>
+            </a:pPr>
+            <a:r>
+              <a:rPr lang="en-US" dirty="0"/>
+              <a:t>Two player examples</a:t>
+            </a:r>
+          </a:p>
+          <a:p>
+            <a:pPr marL="171450" indent="-171450">
+              <a:buFontTx/>
+              <a:buChar char="-"/>
+            </a:pPr>
+            <a:r>
+              <a:rPr lang="en-US" dirty="0"/>
+              <a:t>MSE and RMSE</a:t>
+            </a:r>
+          </a:p>
+          <a:p>
+            <a:pPr marL="171450" indent="-171450">
+              <a:buFontTx/>
+              <a:buChar char="-"/>
+            </a:pPr>
+            <a:r>
+              <a:rPr lang="en-US" dirty="0"/>
+              <a:t>Score is the R2 score, did mildly better than total average</a:t>
+            </a:r>
+          </a:p>
+          <a:p>
+            <a:pPr marL="171450" indent="-171450">
+              <a:buFontTx/>
+              <a:buChar char="-"/>
+            </a:pPr>
+            <a:r>
+              <a:rPr lang="en-US" dirty="0"/>
+              <a:t>Range, top 5, bottom 5, &lt;x&gt; predicted perfectly</a:t>
+            </a:r>
+          </a:p>
+          <a:p>
+            <a:pPr marL="171450" indent="-171450">
+              <a:buFontTx/>
+              <a:buChar char="-"/>
+            </a:pPr>
+            <a:r>
+              <a:rPr lang="en-US" dirty="0"/>
+              <a:t>In 25 cases, the predictions were exact</a:t>
+            </a:r>
+          </a:p>
+        </p:txBody>
+      </p:sp>
+      <p:sp>
+        <p:nvSpPr>
+          <p:cNvPr id="4" name="Slide Number Placeholder 3"/>
+          <p:cNvSpPr>
+            <a:spLocks noGrp="1"/>
+          </p:cNvSpPr>
+          <p:nvPr>
+            <p:ph type="sldNum" sz="quarter" idx="10"/>
+          </p:nvPr>
+        </p:nvSpPr>
+        <p:spPr/>
+        <p:txBody>
+          <a:bodyPr/>
+          <a:lstStyle/>
+          <a:p>
+            <a:fld id="{768F1364-37D3-D540-B941-3E2E1E93653C}" type="slidenum">
+              <a:rPr lang="en-US" smtClean="0"/>
+              <a:t>8</a:t>
+            </a:fld>
+            <a:endParaRPr lang="en-US"/>
+          </a:p>
+        </p:txBody>
+      </p:sp>
+    </p:spTree>
+    <p:extLst>
+      <p:ext uri="{BB962C8B-B14F-4D97-AF65-F5344CB8AC3E}">
+        <p14:creationId xmlns:p14="http://schemas.microsoft.com/office/powerpoint/2010/main" val="2568177199"/>
+      </p:ext>
+    </p:extLst>
+  </p:cSld>
+  <p:clrMapOvr>
+    <a:masterClrMapping/>
+  </p:clrMapOvr>
+</p:notes>
+</file>
+
+<file path=ppt/notesSlides/notesSlide9.xml><?xml version="1.0" encoding="utf-8"?>
+<p:notes xmlns:a="http://schemas.openxmlformats.org/drawingml/2006/main" xmlns:r="http://schemas.openxmlformats.org/officeDocument/2006/relationships" xmlns:p="http://schemas.openxmlformats.org/presentationml/2006/main">
+  <p:cSld>
+    <p:spTree>
+      <p:nvGrpSpPr>
+        <p:cNvPr id="1" name=""/>
+        <p:cNvGrpSpPr/>
+        <p:nvPr/>
+      </p:nvGrpSpPr>
+      <p:grpSpPr>
+        <a:xfrm>
+          <a:off x="0" y="0"/>
+          <a:ext cx="0" cy="0"/>
+          <a:chOff x="0" y="0"/>
+          <a:chExt cx="0" cy="0"/>
+        </a:xfrm>
+      </p:grpSpPr>
+      <p:sp>
+        <p:nvSpPr>
+          <p:cNvPr id="2" name="Slide Image Placeholder 1"/>
+          <p:cNvSpPr>
+            <a:spLocks noGrp="1" noRot="1" noChangeAspect="1"/>
+          </p:cNvSpPr>
+          <p:nvPr>
+            <p:ph type="sldImg"/>
+          </p:nvPr>
+        </p:nvSpPr>
+        <p:spPr/>
+      </p:sp>
+      <p:sp>
+        <p:nvSpPr>
+          <p:cNvPr id="3" name="Notes Placeholder 2"/>
+          <p:cNvSpPr>
+            <a:spLocks noGrp="1"/>
+          </p:cNvSpPr>
+          <p:nvPr>
+            <p:ph type="body" idx="1"/>
+          </p:nvPr>
+        </p:nvSpPr>
+        <p:spPr/>
+        <p:txBody>
+          <a:bodyPr/>
+          <a:lstStyle/>
+          <a:p>
+            <a:pPr marL="171450" indent="-171450">
+              <a:buFontTx/>
+              <a:buChar char="-"/>
+            </a:pPr>
+            <a:r>
+              <a:rPr lang="en-US" dirty="0"/>
+              <a:t>Single player examples</a:t>
+            </a:r>
+          </a:p>
+          <a:p>
+            <a:pPr marL="171450" indent="-171450">
+              <a:buFontTx/>
+              <a:buChar char="-"/>
+            </a:pPr>
+            <a:r>
+              <a:rPr lang="en-US" dirty="0"/>
+              <a:t>MSE, RMSE</a:t>
+            </a:r>
+          </a:p>
+          <a:p>
+            <a:pPr marL="171450" indent="-171450">
+              <a:buFontTx/>
+              <a:buChar char="-"/>
+            </a:pPr>
+            <a:r>
+              <a:rPr lang="en-US" dirty="0"/>
+              <a:t>R2 score is getting better</a:t>
+            </a:r>
+          </a:p>
+          <a:p>
+            <a:pPr marL="171450" indent="-171450">
+              <a:buFontTx/>
+              <a:buChar char="-"/>
+            </a:pPr>
+            <a:r>
+              <a:rPr lang="en-US" dirty="0"/>
+              <a:t>Range, top 5, bottom 5, x-players were predicted perfectly</a:t>
             </a:r>
           </a:p>
         </p:txBody>
@@ -12094,7 +12740,7 @@
           <a:p>
             <a:fld id="{83284890-85D2-4D7B-8EF5-15A9C1DB8F42}" type="datetimeFigureOut">
               <a:rPr lang="en-US" smtClean="0"/>
-              <a:t>5/17/18</a:t>
+              <a:t>5/21/18</a:t>
             </a:fld>
             <a:endParaRPr lang="en-US"/>
           </a:p>
@@ -12272,7 +12918,7 @@
           <a:p>
             <a:fld id="{87157CC2-0FC8-4686-B024-99790E0F5162}" type="datetimeFigureOut">
               <a:rPr lang="en-US" smtClean="0"/>
-              <a:t>5/17/18</a:t>
+              <a:t>5/21/18</a:t>
             </a:fld>
             <a:endParaRPr lang="en-US"/>
           </a:p>
@@ -12452,7 +13098,7 @@
           <a:p>
             <a:fld id="{F6764DA5-CD3D-4590-A511-FCD3BC7A793E}" type="datetimeFigureOut">
               <a:rPr lang="en-US" smtClean="0"/>
-              <a:t>5/17/18</a:t>
+              <a:t>5/21/18</a:t>
             </a:fld>
             <a:endParaRPr lang="en-US"/>
           </a:p>
@@ -12622,7 +13268,7 @@
           <a:p>
             <a:fld id="{82F5661D-6934-4B32-B92C-470368BF1EC6}" type="datetimeFigureOut">
               <a:rPr lang="en-US" smtClean="0"/>
-              <a:t>5/17/18</a:t>
+              <a:t>5/21/18</a:t>
             </a:fld>
             <a:endParaRPr lang="en-US"/>
           </a:p>
@@ -12943,7 +13589,7 @@
           <a:p>
             <a:fld id="{C6F822A4-8DA6-4447-9B1F-C5DB58435268}" type="datetimeFigureOut">
               <a:rPr lang="en-US" smtClean="0"/>
-              <a:t>5/17/18</a:t>
+              <a:t>5/21/18</a:t>
             </a:fld>
             <a:endParaRPr lang="en-US" dirty="0"/>
           </a:p>
@@ -13404,7 +14050,7 @@
           <a:p>
             <a:fld id="{E548D31E-DCDA-41A7-9C67-C4B11B94D21D}" type="datetimeFigureOut">
               <a:rPr lang="en-US" smtClean="0"/>
-              <a:t>5/17/18</a:t>
+              <a:t>5/21/18</a:t>
             </a:fld>
             <a:endParaRPr lang="en-US"/>
           </a:p>
@@ -13815,7 +14461,7 @@
           <a:p>
             <a:fld id="{9B3762C0-B258-48F1-ADE6-176B4174CCDD}" type="datetimeFigureOut">
               <a:rPr lang="en-US" smtClean="0"/>
-              <a:t>5/17/18</a:t>
+              <a:t>5/21/18</a:t>
             </a:fld>
             <a:endParaRPr lang="en-US"/>
           </a:p>
@@ -13933,7 +14579,7 @@
           <a:p>
             <a:fld id="{677919A6-33EB-49BD-A62F-1FA56B9F9712}" type="datetimeFigureOut">
               <a:rPr lang="en-US" smtClean="0"/>
-              <a:t>5/17/18</a:t>
+              <a:t>5/21/18</a:t>
             </a:fld>
             <a:endParaRPr lang="en-US"/>
           </a:p>
@@ -14050,7 +14696,7 @@
           <a:p>
             <a:fld id="{CA4E7D1B-D673-4CF6-8672-009D42ABD2A0}" type="datetimeFigureOut">
               <a:rPr lang="en-US" smtClean="0"/>
-              <a:t>5/17/18</a:t>
+              <a:t>5/21/18</a:t>
             </a:fld>
             <a:endParaRPr lang="en-US"/>
           </a:p>
@@ -14408,7 +15054,7 @@
           <a:p>
             <a:fld id="{DA16AA21-1863-4931-97CB-99D0A168701B}" type="datetimeFigureOut">
               <a:rPr lang="en-US" smtClean="0"/>
-              <a:t>5/17/18</a:t>
+              <a:t>5/21/18</a:t>
             </a:fld>
             <a:endParaRPr lang="en-US"/>
           </a:p>
@@ -14915,7 +15561,7 @@
           <a:p>
             <a:fld id="{3772C379-9A7C-4C87-A116-CBE9F58B04C5}" type="datetimeFigureOut">
               <a:rPr lang="en-US" smtClean="0"/>
-              <a:t>5/17/18</a:t>
+              <a:t>5/21/18</a:t>
             </a:fld>
             <a:endParaRPr lang="en-US"/>
           </a:p>
@@ -15270,7 +15916,7 @@
           <a:p>
             <a:fld id="{8664C608-40B1-4030-A28D-5B74BC98ADCE}" type="datetimeFigureOut">
               <a:rPr lang="en-US" smtClean="0"/>
-              <a:t>5/17/18</a:t>
+              <a:t>5/21/18</a:t>
             </a:fld>
             <a:endParaRPr lang="en-US" dirty="0"/>
           </a:p>
@@ -15938,14 +16584,33 @@
             <p:ph type="ctrTitle"/>
           </p:nvPr>
         </p:nvSpPr>
-        <p:spPr/>
+        <p:spPr>
+          <a:xfrm>
+            <a:off x="1051560" y="1432223"/>
+            <a:ext cx="9966960" cy="3035808"/>
+          </a:xfrm>
+        </p:spPr>
         <p:txBody>
           <a:bodyPr/>
           <a:lstStyle/>
           <a:p>
             <a:r>
-              <a:rPr lang="en-US" dirty="0"/>
-              <a:t>Predicting Performance</a:t>
+              <a:rPr lang="en-US" sz="8000" dirty="0"/>
+              <a:t>Predicting</a:t>
+            </a:r>
+            <a:br>
+              <a:rPr lang="en-US" sz="8000" dirty="0"/>
+            </a:br>
+            <a:r>
+              <a:rPr lang="en-US" sz="8000" dirty="0"/>
+              <a:t>Player</a:t>
+            </a:r>
+            <a:br>
+              <a:rPr lang="en-US" sz="8000" dirty="0"/>
+            </a:br>
+            <a:r>
+              <a:rPr lang="en-US" sz="8000" dirty="0"/>
+              <a:t>Performance</a:t>
             </a:r>
           </a:p>
         </p:txBody>
@@ -16058,7 +16723,7 @@
           <p:nvPr/>
         </p:nvPicPr>
         <p:blipFill>
-          <a:blip r:embed="rId2">
+          <a:blip r:embed="rId3">
             <a:extLst>
               <a:ext uri="{28A0092B-C50C-407E-A947-70E740481C1C}">
                 <a14:useLocalDpi xmlns:a14="http://schemas.microsoft.com/office/drawing/2010/main" val="0"/>
@@ -16094,7 +16759,7 @@
           <p:nvPr/>
         </p:nvPicPr>
         <p:blipFill>
-          <a:blip r:embed="rId3">
+          <a:blip r:embed="rId4">
             <a:extLst>
               <a:ext uri="{28A0092B-C50C-407E-A947-70E740481C1C}">
                 <a14:useLocalDpi xmlns:a14="http://schemas.microsoft.com/office/drawing/2010/main" val="0"/>
@@ -16200,7 +16865,7 @@
           <p:nvPr/>
         </p:nvPicPr>
         <p:blipFill>
-          <a:blip r:embed="rId4">
+          <a:blip r:embed="rId5">
             <a:extLst>
               <a:ext uri="{28A0092B-C50C-407E-A947-70E740481C1C}">
                 <a14:useLocalDpi xmlns:a14="http://schemas.microsoft.com/office/drawing/2010/main" val="0"/>
@@ -16213,8 +16878,8 @@
         </p:blipFill>
         <p:spPr>
           <a:xfrm>
-            <a:off x="6803426" y="419180"/>
-            <a:ext cx="3955062" cy="2856434"/>
+            <a:off x="6552106" y="389949"/>
+            <a:ext cx="3824346" cy="2856434"/>
           </a:xfrm>
           <a:prstGeom prst="rect">
             <a:avLst/>
@@ -16236,7 +16901,7 @@
           <p:nvPr/>
         </p:nvPicPr>
         <p:blipFill>
-          <a:blip r:embed="rId5">
+          <a:blip r:embed="rId6">
             <a:extLst>
               <a:ext uri="{28A0092B-C50C-407E-A947-70E740481C1C}">
                 <a14:useLocalDpi xmlns:a14="http://schemas.microsoft.com/office/drawing/2010/main" val="0"/>
@@ -16249,8 +16914,8 @@
         </p:blipFill>
         <p:spPr>
           <a:xfrm>
-            <a:off x="6803426" y="3786186"/>
-            <a:ext cx="3955062" cy="2373037"/>
+            <a:off x="6552106" y="3756955"/>
+            <a:ext cx="3824346" cy="2373037"/>
           </a:xfrm>
           <a:prstGeom prst="rect">
             <a:avLst/>
@@ -16272,7 +16937,7 @@
           <p:nvPr/>
         </p:nvPicPr>
         <p:blipFill>
-          <a:blip r:embed="rId6">
+          <a:blip r:embed="rId7">
             <a:extLst>
               <a:ext uri="{28A0092B-C50C-407E-A947-70E740481C1C}">
                 <a14:useLocalDpi xmlns:a14="http://schemas.microsoft.com/office/drawing/2010/main" val="0"/>
@@ -16307,7 +16972,7 @@
         </p:nvSpPr>
         <p:spPr>
           <a:xfrm>
-            <a:off x="8458201" y="3111405"/>
+            <a:off x="8206881" y="3082174"/>
             <a:ext cx="1700212" cy="707886"/>
           </a:xfrm>
           <a:prstGeom prst="rect">
@@ -16328,6 +16993,41 @@
           </a:p>
         </p:txBody>
       </p:sp>
+      <p:sp>
+        <p:nvSpPr>
+          <p:cNvPr id="3" name="TextBox 2">
+            <a:extLst>
+              <a:ext uri="{FF2B5EF4-FFF2-40B4-BE49-F238E27FC236}">
+                <a16:creationId xmlns:a16="http://schemas.microsoft.com/office/drawing/2014/main" id="{35D575C2-2D67-D84A-97EA-7BA2A05016F0}"/>
+              </a:ext>
+            </a:extLst>
+          </p:cNvPr>
+          <p:cNvSpPr txBox="1"/>
+          <p:nvPr/>
+        </p:nvSpPr>
+        <p:spPr>
+          <a:xfrm>
+            <a:off x="10376452" y="1697037"/>
+            <a:ext cx="1815548" cy="646331"/>
+          </a:xfrm>
+          <a:prstGeom prst="rect">
+            <a:avLst/>
+          </a:prstGeom>
+          <a:noFill/>
+        </p:spPr>
+        <p:txBody>
+          <a:bodyPr wrap="square" rtlCol="0">
+            <a:spAutoFit/>
+          </a:bodyPr>
+          <a:lstStyle/>
+          <a:p>
+            <a:r>
+              <a:rPr lang="en-US" dirty="0"/>
+              <a:t>Perfect Predictions: 6</a:t>
+            </a:r>
+          </a:p>
+        </p:txBody>
+      </p:sp>
     </p:spTree>
     <p:extLst>
       <p:ext uri="{BB962C8B-B14F-4D97-AF65-F5344CB8AC3E}">
@@ -16338,6 +17038,411 @@
   <p:clrMapOvr>
     <a:masterClrMapping/>
   </p:clrMapOvr>
+  <p:timing>
+    <p:tnLst>
+      <p:par>
+        <p:cTn id="1" dur="indefinite" restart="never" nodeType="tmRoot">
+          <p:childTnLst>
+            <p:seq concurrent="1" nextAc="seek">
+              <p:cTn id="2" dur="indefinite" nodeType="mainSeq">
+                <p:childTnLst>
+                  <p:par>
+                    <p:cTn id="3" fill="hold">
+                      <p:stCondLst>
+                        <p:cond delay="indefinite"/>
+                      </p:stCondLst>
+                      <p:childTnLst>
+                        <p:par>
+                          <p:cTn id="4" fill="hold">
+                            <p:stCondLst>
+                              <p:cond delay="0"/>
+                            </p:stCondLst>
+                            <p:childTnLst>
+                              <p:par>
+                                <p:cTn id="5" presetID="9" presetClass="entr" presetSubtype="0" fill="hold" nodeType="clickEffect">
+                                  <p:stCondLst>
+                                    <p:cond delay="0"/>
+                                  </p:stCondLst>
+                                  <p:childTnLst>
+                                    <p:set>
+                                      <p:cBhvr>
+                                        <p:cTn id="6" dur="1" fill="hold">
+                                          <p:stCondLst>
+                                            <p:cond delay="0"/>
+                                          </p:stCondLst>
+                                        </p:cTn>
+                                        <p:tgtEl>
+                                          <p:spTgt spid="9"/>
+                                        </p:tgtEl>
+                                        <p:attrNameLst>
+                                          <p:attrName>style.visibility</p:attrName>
+                                        </p:attrNameLst>
+                                      </p:cBhvr>
+                                      <p:to>
+                                        <p:strVal val="visible"/>
+                                      </p:to>
+                                    </p:set>
+                                    <p:animEffect transition="in" filter="dissolve">
+                                      <p:cBhvr>
+                                        <p:cTn id="7" dur="500"/>
+                                        <p:tgtEl>
+                                          <p:spTgt spid="9"/>
+                                        </p:tgtEl>
+                                      </p:cBhvr>
+                                    </p:animEffect>
+                                  </p:childTnLst>
+                                </p:cTn>
+                              </p:par>
+                              <p:par>
+                                <p:cTn id="8" presetID="9" presetClass="entr" presetSubtype="0" fill="hold" nodeType="withEffect">
+                                  <p:stCondLst>
+                                    <p:cond delay="0"/>
+                                  </p:stCondLst>
+                                  <p:childTnLst>
+                                    <p:set>
+                                      <p:cBhvr>
+                                        <p:cTn id="9" dur="1" fill="hold">
+                                          <p:stCondLst>
+                                            <p:cond delay="0"/>
+                                          </p:stCondLst>
+                                        </p:cTn>
+                                        <p:tgtEl>
+                                          <p:spTgt spid="7"/>
+                                        </p:tgtEl>
+                                        <p:attrNameLst>
+                                          <p:attrName>style.visibility</p:attrName>
+                                        </p:attrNameLst>
+                                      </p:cBhvr>
+                                      <p:to>
+                                        <p:strVal val="visible"/>
+                                      </p:to>
+                                    </p:set>
+                                    <p:animEffect transition="in" filter="dissolve">
+                                      <p:cBhvr>
+                                        <p:cTn id="10" dur="500"/>
+                                        <p:tgtEl>
+                                          <p:spTgt spid="7"/>
+                                        </p:tgtEl>
+                                      </p:cBhvr>
+                                    </p:animEffect>
+                                  </p:childTnLst>
+                                </p:cTn>
+                              </p:par>
+                              <p:par>
+                                <p:cTn id="11" presetID="9" presetClass="entr" presetSubtype="0" fill="hold" grpId="0" nodeType="withEffect">
+                                  <p:stCondLst>
+                                    <p:cond delay="0"/>
+                                  </p:stCondLst>
+                                  <p:childTnLst>
+                                    <p:set>
+                                      <p:cBhvr>
+                                        <p:cTn id="12" dur="1" fill="hold">
+                                          <p:stCondLst>
+                                            <p:cond delay="0"/>
+                                          </p:stCondLst>
+                                        </p:cTn>
+                                        <p:tgtEl>
+                                          <p:spTgt spid="10"/>
+                                        </p:tgtEl>
+                                        <p:attrNameLst>
+                                          <p:attrName>style.visibility</p:attrName>
+                                        </p:attrNameLst>
+                                      </p:cBhvr>
+                                      <p:to>
+                                        <p:strVal val="visible"/>
+                                      </p:to>
+                                    </p:set>
+                                    <p:animEffect transition="in" filter="dissolve">
+                                      <p:cBhvr>
+                                        <p:cTn id="13" dur="500"/>
+                                        <p:tgtEl>
+                                          <p:spTgt spid="10"/>
+                                        </p:tgtEl>
+                                      </p:cBhvr>
+                                    </p:animEffect>
+                                  </p:childTnLst>
+                                </p:cTn>
+                              </p:par>
+                              <p:par>
+                                <p:cTn id="14" presetID="9" presetClass="entr" presetSubtype="0" fill="hold" grpId="0" nodeType="withEffect">
+                                  <p:stCondLst>
+                                    <p:cond delay="0"/>
+                                  </p:stCondLst>
+                                  <p:childTnLst>
+                                    <p:set>
+                                      <p:cBhvr>
+                                        <p:cTn id="15" dur="1" fill="hold">
+                                          <p:stCondLst>
+                                            <p:cond delay="0"/>
+                                          </p:stCondLst>
+                                        </p:cTn>
+                                        <p:tgtEl>
+                                          <p:spTgt spid="11"/>
+                                        </p:tgtEl>
+                                        <p:attrNameLst>
+                                          <p:attrName>style.visibility</p:attrName>
+                                        </p:attrNameLst>
+                                      </p:cBhvr>
+                                      <p:to>
+                                        <p:strVal val="visible"/>
+                                      </p:to>
+                                    </p:set>
+                                    <p:animEffect transition="in" filter="dissolve">
+                                      <p:cBhvr>
+                                        <p:cTn id="16" dur="500"/>
+                                        <p:tgtEl>
+                                          <p:spTgt spid="11"/>
+                                        </p:tgtEl>
+                                      </p:cBhvr>
+                                    </p:animEffect>
+                                  </p:childTnLst>
+                                </p:cTn>
+                              </p:par>
+                            </p:childTnLst>
+                          </p:cTn>
+                        </p:par>
+                      </p:childTnLst>
+                    </p:cTn>
+                  </p:par>
+                  <p:par>
+                    <p:cTn id="17" fill="hold">
+                      <p:stCondLst>
+                        <p:cond delay="indefinite"/>
+                      </p:stCondLst>
+                      <p:childTnLst>
+                        <p:par>
+                          <p:cTn id="18" fill="hold">
+                            <p:stCondLst>
+                              <p:cond delay="0"/>
+                            </p:stCondLst>
+                            <p:childTnLst>
+                              <p:par>
+                                <p:cTn id="19" presetID="9" presetClass="entr" presetSubtype="0" fill="hold" nodeType="clickEffect">
+                                  <p:stCondLst>
+                                    <p:cond delay="0"/>
+                                  </p:stCondLst>
+                                  <p:childTnLst>
+                                    <p:set>
+                                      <p:cBhvr>
+                                        <p:cTn id="20" dur="1" fill="hold">
+                                          <p:stCondLst>
+                                            <p:cond delay="0"/>
+                                          </p:stCondLst>
+                                        </p:cTn>
+                                        <p:tgtEl>
+                                          <p:spTgt spid="13"/>
+                                        </p:tgtEl>
+                                        <p:attrNameLst>
+                                          <p:attrName>style.visibility</p:attrName>
+                                        </p:attrNameLst>
+                                      </p:cBhvr>
+                                      <p:to>
+                                        <p:strVal val="visible"/>
+                                      </p:to>
+                                    </p:set>
+                                    <p:animEffect transition="in" filter="dissolve">
+                                      <p:cBhvr>
+                                        <p:cTn id="21" dur="500"/>
+                                        <p:tgtEl>
+                                          <p:spTgt spid="13"/>
+                                        </p:tgtEl>
+                                      </p:cBhvr>
+                                    </p:animEffect>
+                                  </p:childTnLst>
+                                </p:cTn>
+                              </p:par>
+                              <p:par>
+                                <p:cTn id="22" presetID="9" presetClass="entr" presetSubtype="0" fill="hold" grpId="0" nodeType="withEffect">
+                                  <p:stCondLst>
+                                    <p:cond delay="0"/>
+                                  </p:stCondLst>
+                                  <p:childTnLst>
+                                    <p:set>
+                                      <p:cBhvr>
+                                        <p:cTn id="23" dur="1" fill="hold">
+                                          <p:stCondLst>
+                                            <p:cond delay="0"/>
+                                          </p:stCondLst>
+                                        </p:cTn>
+                                        <p:tgtEl>
+                                          <p:spTgt spid="20"/>
+                                        </p:tgtEl>
+                                        <p:attrNameLst>
+                                          <p:attrName>style.visibility</p:attrName>
+                                        </p:attrNameLst>
+                                      </p:cBhvr>
+                                      <p:to>
+                                        <p:strVal val="visible"/>
+                                      </p:to>
+                                    </p:set>
+                                    <p:animEffect transition="in" filter="dissolve">
+                                      <p:cBhvr>
+                                        <p:cTn id="24" dur="500"/>
+                                        <p:tgtEl>
+                                          <p:spTgt spid="20"/>
+                                        </p:tgtEl>
+                                      </p:cBhvr>
+                                    </p:animEffect>
+                                  </p:childTnLst>
+                                </p:cTn>
+                              </p:par>
+                              <p:par>
+                                <p:cTn id="25" presetID="9" presetClass="entr" presetSubtype="0" fill="hold" grpId="0" nodeType="withEffect">
+                                  <p:stCondLst>
+                                    <p:cond delay="0"/>
+                                  </p:stCondLst>
+                                  <p:childTnLst>
+                                    <p:set>
+                                      <p:cBhvr>
+                                        <p:cTn id="26" dur="1" fill="hold">
+                                          <p:stCondLst>
+                                            <p:cond delay="0"/>
+                                          </p:stCondLst>
+                                        </p:cTn>
+                                        <p:tgtEl>
+                                          <p:spTgt spid="3"/>
+                                        </p:tgtEl>
+                                        <p:attrNameLst>
+                                          <p:attrName>style.visibility</p:attrName>
+                                        </p:attrNameLst>
+                                      </p:cBhvr>
+                                      <p:to>
+                                        <p:strVal val="visible"/>
+                                      </p:to>
+                                    </p:set>
+                                    <p:animEffect transition="in" filter="dissolve">
+                                      <p:cBhvr>
+                                        <p:cTn id="27" dur="500"/>
+                                        <p:tgtEl>
+                                          <p:spTgt spid="3"/>
+                                        </p:tgtEl>
+                                      </p:cBhvr>
+                                    </p:animEffect>
+                                  </p:childTnLst>
+                                </p:cTn>
+                              </p:par>
+                              <p:par>
+                                <p:cTn id="28" presetID="9" presetClass="entr" presetSubtype="0" fill="hold" nodeType="withEffect">
+                                  <p:stCondLst>
+                                    <p:cond delay="0"/>
+                                  </p:stCondLst>
+                                  <p:childTnLst>
+                                    <p:set>
+                                      <p:cBhvr>
+                                        <p:cTn id="29" dur="1" fill="hold">
+                                          <p:stCondLst>
+                                            <p:cond delay="0"/>
+                                          </p:stCondLst>
+                                        </p:cTn>
+                                        <p:tgtEl>
+                                          <p:spTgt spid="15"/>
+                                        </p:tgtEl>
+                                        <p:attrNameLst>
+                                          <p:attrName>style.visibility</p:attrName>
+                                        </p:attrNameLst>
+                                      </p:cBhvr>
+                                      <p:to>
+                                        <p:strVal val="visible"/>
+                                      </p:to>
+                                    </p:set>
+                                    <p:animEffect transition="in" filter="dissolve">
+                                      <p:cBhvr>
+                                        <p:cTn id="30" dur="500"/>
+                                        <p:tgtEl>
+                                          <p:spTgt spid="15"/>
+                                        </p:tgtEl>
+                                      </p:cBhvr>
+                                    </p:animEffect>
+                                  </p:childTnLst>
+                                </p:cTn>
+                              </p:par>
+                            </p:childTnLst>
+                          </p:cTn>
+                        </p:par>
+                      </p:childTnLst>
+                    </p:cTn>
+                  </p:par>
+                  <p:par>
+                    <p:cTn id="31" fill="hold">
+                      <p:stCondLst>
+                        <p:cond delay="indefinite"/>
+                      </p:stCondLst>
+                      <p:childTnLst>
+                        <p:par>
+                          <p:cTn id="32" fill="hold">
+                            <p:stCondLst>
+                              <p:cond delay="0"/>
+                            </p:stCondLst>
+                            <p:childTnLst>
+                              <p:par>
+                                <p:cTn id="33" presetID="9" presetClass="entr" presetSubtype="0" fill="hold" nodeType="clickEffect">
+                                  <p:stCondLst>
+                                    <p:cond delay="0"/>
+                                  </p:stCondLst>
+                                  <p:childTnLst>
+                                    <p:set>
+                                      <p:cBhvr>
+                                        <p:cTn id="34" dur="1" fill="hold">
+                                          <p:stCondLst>
+                                            <p:cond delay="0"/>
+                                          </p:stCondLst>
+                                        </p:cTn>
+                                        <p:tgtEl>
+                                          <p:spTgt spid="17"/>
+                                        </p:tgtEl>
+                                        <p:attrNameLst>
+                                          <p:attrName>style.visibility</p:attrName>
+                                        </p:attrNameLst>
+                                      </p:cBhvr>
+                                      <p:to>
+                                        <p:strVal val="visible"/>
+                                      </p:to>
+                                    </p:set>
+                                    <p:animEffect transition="in" filter="dissolve">
+                                      <p:cBhvr>
+                                        <p:cTn id="35" dur="500"/>
+                                        <p:tgtEl>
+                                          <p:spTgt spid="17"/>
+                                        </p:tgtEl>
+                                      </p:cBhvr>
+                                    </p:animEffect>
+                                  </p:childTnLst>
+                                </p:cTn>
+                              </p:par>
+                            </p:childTnLst>
+                          </p:cTn>
+                        </p:par>
+                      </p:childTnLst>
+                    </p:cTn>
+                  </p:par>
+                </p:childTnLst>
+              </p:cTn>
+              <p:prevCondLst>
+                <p:cond evt="onPrev" delay="0">
+                  <p:tgtEl>
+                    <p:sldTgt/>
+                  </p:tgtEl>
+                </p:cond>
+              </p:prevCondLst>
+              <p:nextCondLst>
+                <p:cond evt="onNext" delay="0">
+                  <p:tgtEl>
+                    <p:sldTgt/>
+                  </p:tgtEl>
+                </p:cond>
+              </p:nextCondLst>
+            </p:seq>
+          </p:childTnLst>
+        </p:cTn>
+      </p:par>
+    </p:tnLst>
+    <p:bldLst>
+      <p:bldP spid="10" grpId="0"/>
+      <p:bldP spid="11" grpId="0"/>
+      <p:bldP spid="20" grpId="0"/>
+      <p:bldP spid="3" grpId="0"/>
+    </p:bldLst>
+  </p:timing>
 </p:sld>
 </file>
 
@@ -16471,6 +17576,105 @@
 </file>
 
 <file path=ppt/slides/slide12.xml><?xml version="1.0" encoding="utf-8"?>
+<p:sld xmlns:a="http://schemas.openxmlformats.org/drawingml/2006/main" xmlns:r="http://schemas.openxmlformats.org/officeDocument/2006/relationships" xmlns:p="http://schemas.openxmlformats.org/presentationml/2006/main">
+  <p:cSld>
+    <p:spTree>
+      <p:nvGrpSpPr>
+        <p:cNvPr id="1" name=""/>
+        <p:cNvGrpSpPr/>
+        <p:nvPr/>
+      </p:nvGrpSpPr>
+      <p:grpSpPr>
+        <a:xfrm>
+          <a:off x="0" y="0"/>
+          <a:ext cx="0" cy="0"/>
+          <a:chOff x="0" y="0"/>
+          <a:chExt cx="0" cy="0"/>
+        </a:xfrm>
+      </p:grpSpPr>
+      <p:sp>
+        <p:nvSpPr>
+          <p:cNvPr id="2" name="Title 1">
+            <a:extLst>
+              <a:ext uri="{FF2B5EF4-FFF2-40B4-BE49-F238E27FC236}">
+                <a16:creationId xmlns:a16="http://schemas.microsoft.com/office/drawing/2014/main" id="{D228ADDC-8D0F-B54D-AD42-93F6A238DE59}"/>
+              </a:ext>
+            </a:extLst>
+          </p:cNvPr>
+          <p:cNvSpPr>
+            <a:spLocks noGrp="1"/>
+          </p:cNvSpPr>
+          <p:nvPr>
+            <p:ph type="title"/>
+          </p:nvPr>
+        </p:nvSpPr>
+        <p:spPr/>
+        <p:txBody>
+          <a:bodyPr/>
+          <a:lstStyle/>
+          <a:p>
+            <a:r>
+              <a:rPr lang="en-US" dirty="0"/>
+              <a:t>next steps</a:t>
+            </a:r>
+          </a:p>
+        </p:txBody>
+      </p:sp>
+      <p:sp>
+        <p:nvSpPr>
+          <p:cNvPr id="3" name="Content Placeholder 2">
+            <a:extLst>
+              <a:ext uri="{FF2B5EF4-FFF2-40B4-BE49-F238E27FC236}">
+                <a16:creationId xmlns:a16="http://schemas.microsoft.com/office/drawing/2014/main" id="{54FC4467-A79E-5942-8A1A-4113B7A49152}"/>
+              </a:ext>
+            </a:extLst>
+          </p:cNvPr>
+          <p:cNvSpPr>
+            <a:spLocks noGrp="1"/>
+          </p:cNvSpPr>
+          <p:nvPr>
+            <p:ph idx="1"/>
+          </p:nvPr>
+        </p:nvSpPr>
+        <p:spPr/>
+        <p:txBody>
+          <a:bodyPr/>
+          <a:lstStyle/>
+          <a:p>
+            <a:r>
+              <a:rPr lang="en-US" dirty="0"/>
+              <a:t>Dive deeper into the models and explore which features may be adding noise to the model and hindering its performance</a:t>
+            </a:r>
+          </a:p>
+          <a:p>
+            <a:r>
+              <a:rPr lang="en-US" dirty="0"/>
+              <a:t>Web app to be able to insert player name and get a prediction for the next year</a:t>
+            </a:r>
+          </a:p>
+          <a:p>
+            <a:pPr lvl="1"/>
+            <a:r>
+              <a:rPr lang="en-US" dirty="0"/>
+              <a:t>Expand to select desired stat?</a:t>
+            </a:r>
+          </a:p>
+        </p:txBody>
+      </p:sp>
+    </p:spTree>
+    <p:extLst>
+      <p:ext uri="{BB962C8B-B14F-4D97-AF65-F5344CB8AC3E}">
+        <p14:creationId xmlns:p14="http://schemas.microsoft.com/office/powerpoint/2010/main" val="3029868044"/>
+      </p:ext>
+    </p:extLst>
+  </p:cSld>
+  <p:clrMapOvr>
+    <a:masterClrMapping/>
+  </p:clrMapOvr>
+</p:sld>
+</file>
+
+<file path=ppt/slides/slide13.xml><?xml version="1.0" encoding="utf-8"?>
 <p:sld xmlns:a="http://schemas.openxmlformats.org/drawingml/2006/main" xmlns:r="http://schemas.openxmlformats.org/officeDocument/2006/relationships" xmlns:p="http://schemas.openxmlformats.org/presentationml/2006/main">
   <p:cSld>
     <p:spTree>
@@ -16756,7 +17960,7 @@
 </p:sld>
 </file>
 
-<file path=ppt/slides/slide13.xml><?xml version="1.0" encoding="utf-8"?>
+<file path=ppt/slides/slide14.xml><?xml version="1.0" encoding="utf-8"?>
 <p:sld xmlns:a="http://schemas.openxmlformats.org/drawingml/2006/main" xmlns:r="http://schemas.openxmlformats.org/officeDocument/2006/relationships" xmlns:p="http://schemas.openxmlformats.org/presentationml/2006/main">
   <p:cSld>
     <p:spTree>
@@ -16778,7 +17982,7 @@
           <p:cNvPr id="2" name="Title 1">
             <a:extLst>
               <a:ext uri="{FF2B5EF4-FFF2-40B4-BE49-F238E27FC236}">
-                <a16:creationId xmlns:a16="http://schemas.microsoft.com/office/drawing/2014/main" id="{D228ADDC-8D0F-B54D-AD42-93F6A238DE59}"/>
+                <a16:creationId xmlns:a16="http://schemas.microsoft.com/office/drawing/2014/main" id="{61BC6163-62CC-5042-8D10-2FA43E0E5613}"/>
               </a:ext>
             </a:extLst>
           </p:cNvPr>
@@ -16796,7 +18000,7 @@
           <a:p>
             <a:r>
               <a:rPr lang="en-US" dirty="0"/>
-              <a:t>next steps</a:t>
+              <a:t>Contact Information</a:t>
             </a:r>
           </a:p>
         </p:txBody>
@@ -16806,7 +18010,7 @@
           <p:cNvPr id="3" name="Content Placeholder 2">
             <a:extLst>
               <a:ext uri="{FF2B5EF4-FFF2-40B4-BE49-F238E27FC236}">
-                <a16:creationId xmlns:a16="http://schemas.microsoft.com/office/drawing/2014/main" id="{54FC4467-A79E-5942-8A1A-4113B7A49152}"/>
+                <a16:creationId xmlns:a16="http://schemas.microsoft.com/office/drawing/2014/main" id="{AEE7ACE2-F6FD-A14F-B056-82AB3E3154CE}"/>
               </a:ext>
             </a:extLst>
           </p:cNvPr>
@@ -16823,15 +18027,82 @@
           <a:lstStyle/>
           <a:p>
             <a:r>
+              <a:rPr lang="en-US" dirty="0" err="1"/>
+              <a:t>Github</a:t>
+            </a:r>
+            <a:r>
               <a:rPr lang="en-US" dirty="0"/>
-              <a:t>Web app to be able to insert player name and get a prediction for the next year</a:t>
+              <a:t>: </a:t>
             </a:r>
+            <a:r>
+              <a:rPr lang="en-US" u="sng" dirty="0">
+                <a:solidFill>
+                  <a:schemeClr val="accent1"/>
+                </a:solidFill>
+              </a:rPr>
+              <a:t>https://github.com/aaronmcd1214</a:t>
+            </a:r>
+            <a:br>
+              <a:rPr lang="en-US" dirty="0"/>
+            </a:br>
+            <a:endParaRPr lang="en-US" dirty="0"/>
           </a:p>
           <a:p>
-            <a:pPr lvl="1"/>
             <a:r>
               <a:rPr lang="en-US" dirty="0"/>
-              <a:t>Expand to select desired stat?</a:t>
+              <a:t>LinkedIn: </a:t>
+            </a:r>
+            <a:r>
+              <a:rPr lang="en-US" u="sng" dirty="0">
+                <a:solidFill>
+                  <a:schemeClr val="accent1"/>
+                </a:solidFill>
+              </a:rPr>
+              <a:t>https://www.linkedin.com/in/aaronmcd1214/</a:t>
+            </a:r>
+            <a:br>
+              <a:rPr lang="en-US" u="sng" dirty="0">
+                <a:solidFill>
+                  <a:schemeClr val="accent1"/>
+                </a:solidFill>
+              </a:rPr>
+            </a:br>
+            <a:endParaRPr lang="en-US" u="sng" dirty="0">
+              <a:solidFill>
+                <a:schemeClr val="accent1"/>
+              </a:solidFill>
+            </a:endParaRPr>
+          </a:p>
+          <a:p>
+            <a:r>
+              <a:rPr lang="en-US" dirty="0"/>
+              <a:t>Email: </a:t>
+            </a:r>
+            <a:r>
+              <a:rPr lang="en-US" u="sng" dirty="0">
+                <a:solidFill>
+                  <a:schemeClr val="accent1"/>
+                </a:solidFill>
+              </a:rPr>
+              <a:t>mcdonald_aaron@outlook.com</a:t>
+            </a:r>
+            <a:br>
+              <a:rPr lang="en-US" dirty="0"/>
+            </a:br>
+            <a:endParaRPr lang="en-US" dirty="0"/>
+          </a:p>
+          <a:p>
+            <a:r>
+              <a:rPr lang="en-US" dirty="0"/>
+              <a:t>Phone: </a:t>
+            </a:r>
+            <a:r>
+              <a:rPr lang="en-US" dirty="0">
+                <a:solidFill>
+                  <a:schemeClr val="accent1"/>
+                </a:solidFill>
+              </a:rPr>
+              <a:t>(623) 628-5537</a:t>
             </a:r>
           </a:p>
         </p:txBody>
@@ -16839,7 +18110,7 @@
     </p:spTree>
     <p:extLst>
       <p:ext uri="{BB962C8B-B14F-4D97-AF65-F5344CB8AC3E}">
-        <p14:creationId xmlns:p14="http://schemas.microsoft.com/office/powerpoint/2010/main" val="3029868044"/>
+        <p14:creationId xmlns:p14="http://schemas.microsoft.com/office/powerpoint/2010/main" val="3103650955"/>
       </p:ext>
     </p:extLst>
   </p:cSld>
@@ -16889,7 +18160,15 @@
           <a:p>
             <a:r>
               <a:rPr lang="en-US" dirty="0"/>
-              <a:t>All about me</a:t>
+              <a:t>Who am </a:t>
+            </a:r>
+            <a:r>
+              <a:rPr lang="en-US" dirty="0" err="1"/>
+              <a:t>i</a:t>
+            </a:r>
+            <a:r>
+              <a:rPr lang="en-US" dirty="0"/>
+              <a:t>?</a:t>
             </a:r>
           </a:p>
         </p:txBody>
@@ -16926,14 +18205,44 @@
               <a:t>Interested in the story that can be created from data</a:t>
             </a:r>
           </a:p>
-          <a:p>
-            <a:r>
-              <a:rPr lang="en-US" dirty="0"/>
-              <a:t>Fascinated with the intersection of sports and technology</a:t>
-            </a:r>
-          </a:p>
         </p:txBody>
       </p:sp>
+      <p:pic>
+        <p:nvPicPr>
+          <p:cNvPr id="5" name="Picture 4">
+            <a:extLst>
+              <a:ext uri="{FF2B5EF4-FFF2-40B4-BE49-F238E27FC236}">
+                <a16:creationId xmlns:a16="http://schemas.microsoft.com/office/drawing/2014/main" id="{F8C68F49-8ABA-0A46-973A-88C3692C4AA1}"/>
+              </a:ext>
+            </a:extLst>
+          </p:cNvPr>
+          <p:cNvPicPr>
+            <a:picLocks noChangeAspect="1"/>
+          </p:cNvPicPr>
+          <p:nvPr/>
+        </p:nvPicPr>
+        <p:blipFill rotWithShape="1">
+          <a:blip r:embed="rId3">
+            <a:biLevel thresh="50000"/>
+            <a:extLst>
+              <a:ext uri="{28A0092B-C50C-407E-A947-70E740481C1C}">
+                <a14:useLocalDpi xmlns:a14="http://schemas.microsoft.com/office/drawing/2010/main" val="0"/>
+              </a:ext>
+            </a:extLst>
+          </a:blip>
+          <a:srcRect l="1353" t="34219" r="1147" b="31406"/>
+          <a:stretch/>
+        </p:blipFill>
+        <p:spPr>
+          <a:xfrm>
+            <a:off x="3870197" y="3628611"/>
+            <a:ext cx="4457701" cy="1571625"/>
+          </a:xfrm>
+          <a:prstGeom prst="rect">
+            <a:avLst/>
+          </a:prstGeom>
+        </p:spPr>
+      </p:pic>
     </p:spTree>
     <p:extLst>
       <p:ext uri="{BB962C8B-B14F-4D97-AF65-F5344CB8AC3E}">
@@ -17021,11 +18330,103 @@
           <a:p>
             <a:r>
               <a:rPr lang="en-US" dirty="0"/>
+              <a:t>Fascinated with the intersection of sports and technology</a:t>
+            </a:r>
+          </a:p>
+          <a:p>
+            <a:r>
+              <a:rPr lang="en-US" dirty="0"/>
               <a:t>Interested in the growing world of baseball analytics</a:t>
             </a:r>
           </a:p>
         </p:txBody>
       </p:sp>
+      <p:sp>
+        <p:nvSpPr>
+          <p:cNvPr id="4" name="Rectangle 3">
+            <a:extLst>
+              <a:ext uri="{FF2B5EF4-FFF2-40B4-BE49-F238E27FC236}">
+                <a16:creationId xmlns:a16="http://schemas.microsoft.com/office/drawing/2014/main" id="{7FD2DCD4-FBC2-5E4E-B44F-6E135E9D0F96}"/>
+              </a:ext>
+            </a:extLst>
+          </p:cNvPr>
+          <p:cNvSpPr/>
+          <p:nvPr/>
+        </p:nvSpPr>
+        <p:spPr>
+          <a:xfrm rot="20041988">
+            <a:off x="1285461" y="2093975"/>
+            <a:ext cx="10336696" cy="1569660"/>
+          </a:xfrm>
+          <a:prstGeom prst="rect">
+            <a:avLst/>
+          </a:prstGeom>
+          <a:noFill/>
+        </p:spPr>
+        <p:txBody>
+          <a:bodyPr wrap="square" lIns="91440" tIns="45720" rIns="91440" bIns="45720">
+            <a:spAutoFit/>
+          </a:bodyPr>
+          <a:lstStyle/>
+          <a:p>
+            <a:pPr algn="ctr"/>
+            <a:r>
+              <a:rPr lang="en-US" sz="9600" b="1" cap="none" spc="0" dirty="0">
+                <a:ln w="22225">
+                  <a:solidFill>
+                    <a:schemeClr val="accent2"/>
+                  </a:solidFill>
+                  <a:prstDash val="solid"/>
+                </a:ln>
+                <a:solidFill>
+                  <a:schemeClr val="accent2">
+                    <a:lumMod val="40000"/>
+                    <a:lumOff val="60000"/>
+                  </a:schemeClr>
+                </a:solidFill>
+                <a:effectLst/>
+              </a:rPr>
+              <a:t>Go D-Backs!</a:t>
+            </a:r>
+          </a:p>
+        </p:txBody>
+      </p:sp>
+      <p:pic>
+        <p:nvPicPr>
+          <p:cNvPr id="5" name="Picture 4">
+            <a:extLst>
+              <a:ext uri="{FF2B5EF4-FFF2-40B4-BE49-F238E27FC236}">
+                <a16:creationId xmlns:a16="http://schemas.microsoft.com/office/drawing/2014/main" id="{2043AD86-9997-504B-AACD-6EF6F6B30E8E}"/>
+              </a:ext>
+            </a:extLst>
+          </p:cNvPr>
+          <p:cNvPicPr>
+            <a:picLocks noChangeAspect="1"/>
+          </p:cNvPicPr>
+          <p:nvPr/>
+        </p:nvPicPr>
+        <p:blipFill>
+          <a:blip r:embed="rId3">
+            <a:extLst>
+              <a:ext uri="{28A0092B-C50C-407E-A947-70E740481C1C}">
+                <a14:useLocalDpi xmlns:a14="http://schemas.microsoft.com/office/drawing/2010/main" val="0"/>
+              </a:ext>
+            </a:extLst>
+          </a:blip>
+          <a:stretch>
+            <a:fillRect/>
+          </a:stretch>
+        </p:blipFill>
+        <p:spPr>
+          <a:xfrm>
+            <a:off x="4956048" y="3723787"/>
+            <a:ext cx="2286000" cy="2286000"/>
+          </a:xfrm>
+          <a:prstGeom prst="rect">
+            <a:avLst/>
+          </a:prstGeom>
+        </p:spPr>
+      </p:pic>
     </p:spTree>
     <p:extLst>
       <p:ext uri="{BB962C8B-B14F-4D97-AF65-F5344CB8AC3E}">
@@ -17036,6 +18437,84 @@
   <p:clrMapOvr>
     <a:masterClrMapping/>
   </p:clrMapOvr>
+  <p:timing>
+    <p:tnLst>
+      <p:par>
+        <p:cTn id="1" dur="indefinite" restart="never" nodeType="tmRoot">
+          <p:childTnLst>
+            <p:seq concurrent="1" nextAc="seek">
+              <p:cTn id="2" dur="indefinite" nodeType="mainSeq">
+                <p:childTnLst>
+                  <p:par>
+                    <p:cTn id="3" fill="hold">
+                      <p:stCondLst>
+                        <p:cond delay="indefinite"/>
+                      </p:stCondLst>
+                      <p:childTnLst>
+                        <p:par>
+                          <p:cTn id="4" fill="hold">
+                            <p:stCondLst>
+                              <p:cond delay="0"/>
+                            </p:stCondLst>
+                            <p:childTnLst>
+                              <p:par>
+                                <p:cTn id="5" presetID="1" presetClass="entr" presetSubtype="0" fill="hold" grpId="0" nodeType="clickEffect">
+                                  <p:stCondLst>
+                                    <p:cond delay="0"/>
+                                  </p:stCondLst>
+                                  <p:childTnLst>
+                                    <p:set>
+                                      <p:cBhvr>
+                                        <p:cTn id="6" dur="1" fill="hold">
+                                          <p:stCondLst>
+                                            <p:cond delay="0"/>
+                                          </p:stCondLst>
+                                        </p:cTn>
+                                        <p:tgtEl>
+                                          <p:spTgt spid="4"/>
+                                        </p:tgtEl>
+                                        <p:attrNameLst>
+                                          <p:attrName>style.visibility</p:attrName>
+                                        </p:attrNameLst>
+                                      </p:cBhvr>
+                                      <p:to>
+                                        <p:strVal val="visible"/>
+                                      </p:to>
+                                    </p:set>
+                                  </p:childTnLst>
+                                </p:cTn>
+                              </p:par>
+                            </p:childTnLst>
+                          </p:cTn>
+                        </p:par>
+                      </p:childTnLst>
+                    </p:cTn>
+                  </p:par>
+                </p:childTnLst>
+              </p:cTn>
+              <p:prevCondLst>
+                <p:cond evt="onPrev" delay="0">
+                  <p:tgtEl>
+                    <p:sldTgt/>
+                  </p:tgtEl>
+                </p:cond>
+              </p:prevCondLst>
+              <p:nextCondLst>
+                <p:cond evt="onNext" delay="0">
+                  <p:tgtEl>
+                    <p:sldTgt/>
+                  </p:tgtEl>
+                </p:cond>
+              </p:nextCondLst>
+            </p:seq>
+          </p:childTnLst>
+        </p:cTn>
+      </p:par>
+    </p:tnLst>
+    <p:bldLst>
+      <p:bldP spid="4" grpId="0"/>
+    </p:bldLst>
+  </p:timing>
 </p:sld>
 </file>
 
@@ -17084,6 +18563,78 @@
           </a:p>
         </p:txBody>
       </p:sp>
+      <p:pic>
+        <p:nvPicPr>
+          <p:cNvPr id="6" name="Picture 5">
+            <a:extLst>
+              <a:ext uri="{FF2B5EF4-FFF2-40B4-BE49-F238E27FC236}">
+                <a16:creationId xmlns:a16="http://schemas.microsoft.com/office/drawing/2014/main" id="{DA133781-7351-8F45-A08A-1C3929A15C3D}"/>
+              </a:ext>
+            </a:extLst>
+          </p:cNvPr>
+          <p:cNvPicPr>
+            <a:picLocks noChangeAspect="1"/>
+          </p:cNvPicPr>
+          <p:nvPr/>
+        </p:nvPicPr>
+        <p:blipFill>
+          <a:blip r:embed="rId3">
+            <a:extLst>
+              <a:ext uri="{28A0092B-C50C-407E-A947-70E740481C1C}">
+                <a14:useLocalDpi xmlns:a14="http://schemas.microsoft.com/office/drawing/2010/main" val="0"/>
+              </a:ext>
+            </a:extLst>
+          </a:blip>
+          <a:stretch>
+            <a:fillRect/>
+          </a:stretch>
+        </p:blipFill>
+        <p:spPr>
+          <a:xfrm>
+            <a:off x="672203" y="3365322"/>
+            <a:ext cx="5000517" cy="2834640"/>
+          </a:xfrm>
+          <a:prstGeom prst="rect">
+            <a:avLst/>
+          </a:prstGeom>
+        </p:spPr>
+      </p:pic>
+      <p:pic>
+        <p:nvPicPr>
+          <p:cNvPr id="8" name="Picture 7">
+            <a:extLst>
+              <a:ext uri="{FF2B5EF4-FFF2-40B4-BE49-F238E27FC236}">
+                <a16:creationId xmlns:a16="http://schemas.microsoft.com/office/drawing/2014/main" id="{057778E2-EBAB-D84E-A0A8-2C199BD3CBA5}"/>
+              </a:ext>
+            </a:extLst>
+          </p:cNvPr>
+          <p:cNvPicPr>
+            <a:picLocks noChangeAspect="1"/>
+          </p:cNvPicPr>
+          <p:nvPr/>
+        </p:nvPicPr>
+        <p:blipFill>
+          <a:blip r:embed="rId4">
+            <a:extLst>
+              <a:ext uri="{28A0092B-C50C-407E-A947-70E740481C1C}">
+                <a14:useLocalDpi xmlns:a14="http://schemas.microsoft.com/office/drawing/2010/main" val="0"/>
+              </a:ext>
+            </a:extLst>
+          </a:blip>
+          <a:stretch>
+            <a:fillRect/>
+          </a:stretch>
+        </p:blipFill>
+        <p:spPr>
+          <a:xfrm>
+            <a:off x="1178860" y="4081887"/>
+            <a:ext cx="4352329" cy="1139469"/>
+          </a:xfrm>
+          <a:prstGeom prst="rect">
+            <a:avLst/>
+          </a:prstGeom>
+        </p:spPr>
+      </p:pic>
       <p:sp>
         <p:nvSpPr>
           <p:cNvPr id="3" name="Content Placeholder 2">
@@ -17115,6 +18666,27 @@
               <a:t>How well can we predict a player’s performance next year, given his history?</a:t>
             </a:r>
           </a:p>
+          <a:p>
+            <a:pPr lvl="1"/>
+            <a:r>
+              <a:rPr lang="en-US" dirty="0"/>
+              <a:t>Decision Tree</a:t>
+            </a:r>
+          </a:p>
+          <a:p>
+            <a:pPr lvl="1"/>
+            <a:r>
+              <a:rPr lang="en-US" dirty="0"/>
+              <a:t>Random Forest</a:t>
+            </a:r>
+          </a:p>
+          <a:p>
+            <a:pPr lvl="1"/>
+            <a:r>
+              <a:rPr lang="en-US" dirty="0"/>
+              <a:t>Long Short Term Memory (LSTM)</a:t>
+            </a:r>
+          </a:p>
         </p:txBody>
       </p:sp>
       <p:pic>
@@ -17132,7 +18704,7 @@
           <p:nvPr/>
         </p:nvPicPr>
         <p:blipFill>
-          <a:blip r:embed="rId3">
+          <a:blip r:embed="rId5">
             <a:extLst>
               <a:ext uri="{28A0092B-C50C-407E-A947-70E740481C1C}">
                 <a14:useLocalDpi xmlns:a14="http://schemas.microsoft.com/office/drawing/2010/main" val="0"/>
@@ -17153,6 +18725,85 @@
           </a:prstGeom>
         </p:spPr>
       </p:pic>
+      <p:sp>
+        <p:nvSpPr>
+          <p:cNvPr id="9" name="TextBox 8">
+            <a:extLst>
+              <a:ext uri="{FF2B5EF4-FFF2-40B4-BE49-F238E27FC236}">
+                <a16:creationId xmlns:a16="http://schemas.microsoft.com/office/drawing/2014/main" id="{23396502-72D6-E840-A7D2-BD7AD17E8923}"/>
+              </a:ext>
+            </a:extLst>
+          </p:cNvPr>
+          <p:cNvSpPr txBox="1"/>
+          <p:nvPr/>
+        </p:nvSpPr>
+        <p:spPr>
+          <a:xfrm>
+            <a:off x="1069266" y="3456083"/>
+            <a:ext cx="3564835" cy="1477328"/>
+          </a:xfrm>
+          <a:prstGeom prst="rect">
+            <a:avLst/>
+          </a:prstGeom>
+          <a:noFill/>
+        </p:spPr>
+        <p:txBody>
+          <a:bodyPr wrap="square" rtlCol="0">
+            <a:spAutoFit/>
+          </a:bodyPr>
+          <a:lstStyle/>
+          <a:p>
+            <a:pPr marL="285750" indent="-285750">
+              <a:buFont typeface="Arial" panose="020B0604020202020204" pitchFamily="34" charset="0"/>
+              <a:buChar char="•"/>
+            </a:pPr>
+            <a:r>
+              <a:rPr lang="en-US" dirty="0"/>
+              <a:t>GM constructs rosters</a:t>
+            </a:r>
+          </a:p>
+          <a:p>
+            <a:pPr marL="742950" lvl="1" indent="-285750">
+              <a:buFont typeface="Arial" panose="020B0604020202020204" pitchFamily="34" charset="0"/>
+              <a:buChar char="•"/>
+            </a:pPr>
+            <a:r>
+              <a:rPr lang="en-US" dirty="0"/>
+              <a:t>Draft</a:t>
+            </a:r>
+          </a:p>
+          <a:p>
+            <a:pPr marL="742950" lvl="1" indent="-285750">
+              <a:buFont typeface="Arial" panose="020B0604020202020204" pitchFamily="34" charset="0"/>
+              <a:buChar char="•"/>
+            </a:pPr>
+            <a:r>
+              <a:rPr lang="en-US" dirty="0"/>
+              <a:t>Free Agency</a:t>
+            </a:r>
+          </a:p>
+          <a:p>
+            <a:pPr marL="285750" indent="-285750">
+              <a:buFont typeface="Arial" panose="020B0604020202020204" pitchFamily="34" charset="0"/>
+              <a:buChar char="•"/>
+            </a:pPr>
+            <a:r>
+              <a:rPr lang="en-US" dirty="0"/>
+              <a:t>Free agent after 6 years</a:t>
+            </a:r>
+          </a:p>
+          <a:p>
+            <a:pPr marL="285750" indent="-285750">
+              <a:buFont typeface="Arial" panose="020B0604020202020204" pitchFamily="34" charset="0"/>
+              <a:buChar char="•"/>
+            </a:pPr>
+            <a:r>
+              <a:rPr lang="en-US" dirty="0"/>
+              <a:t>Can we predict year 7?</a:t>
+            </a:r>
+          </a:p>
+        </p:txBody>
+      </p:sp>
     </p:spTree>
     <p:extLst>
       <p:ext uri="{BB962C8B-B14F-4D97-AF65-F5344CB8AC3E}">
@@ -17163,6 +18814,443 @@
   <p:clrMapOvr>
     <a:masterClrMapping/>
   </p:clrMapOvr>
+  <p:timing>
+    <p:tnLst>
+      <p:par>
+        <p:cTn id="1" dur="indefinite" restart="never" nodeType="tmRoot">
+          <p:childTnLst>
+            <p:seq concurrent="1" nextAc="seek">
+              <p:cTn id="2" dur="indefinite" nodeType="mainSeq">
+                <p:childTnLst>
+                  <p:par>
+                    <p:cTn id="3" fill="hold">
+                      <p:stCondLst>
+                        <p:cond delay="indefinite"/>
+                        <p:cond evt="onBegin" delay="0">
+                          <p:tn val="2"/>
+                        </p:cond>
+                      </p:stCondLst>
+                      <p:childTnLst>
+                        <p:par>
+                          <p:cTn id="4" fill="hold">
+                            <p:stCondLst>
+                              <p:cond delay="0"/>
+                            </p:stCondLst>
+                            <p:childTnLst>
+                              <p:par>
+                                <p:cTn id="5" presetID="1" presetClass="entr" presetSubtype="0" fill="hold" grpId="0" nodeType="withEffect">
+                                  <p:stCondLst>
+                                    <p:cond delay="0"/>
+                                  </p:stCondLst>
+                                  <p:childTnLst>
+                                    <p:set>
+                                      <p:cBhvr>
+                                        <p:cTn id="6" dur="1" fill="hold">
+                                          <p:stCondLst>
+                                            <p:cond delay="0"/>
+                                          </p:stCondLst>
+                                        </p:cTn>
+                                        <p:tgtEl>
+                                          <p:spTgt spid="3">
+                                            <p:txEl>
+                                              <p:pRg st="0" end="0"/>
+                                            </p:txEl>
+                                          </p:spTgt>
+                                        </p:tgtEl>
+                                        <p:attrNameLst>
+                                          <p:attrName>style.visibility</p:attrName>
+                                        </p:attrNameLst>
+                                      </p:cBhvr>
+                                      <p:to>
+                                        <p:strVal val="visible"/>
+                                      </p:to>
+                                    </p:set>
+                                  </p:childTnLst>
+                                </p:cTn>
+                              </p:par>
+                              <p:par>
+                                <p:cTn id="7" presetID="1" presetClass="entr" presetSubtype="0" fill="hold" grpId="0" nodeType="withEffect">
+                                  <p:stCondLst>
+                                    <p:cond delay="0"/>
+                                  </p:stCondLst>
+                                  <p:childTnLst>
+                                    <p:set>
+                                      <p:cBhvr>
+                                        <p:cTn id="8" dur="1" fill="hold">
+                                          <p:stCondLst>
+                                            <p:cond delay="0"/>
+                                          </p:stCondLst>
+                                        </p:cTn>
+                                        <p:tgtEl>
+                                          <p:spTgt spid="9"/>
+                                        </p:tgtEl>
+                                        <p:attrNameLst>
+                                          <p:attrName>style.visibility</p:attrName>
+                                        </p:attrNameLst>
+                                      </p:cBhvr>
+                                      <p:to>
+                                        <p:strVal val="visible"/>
+                                      </p:to>
+                                    </p:set>
+                                  </p:childTnLst>
+                                </p:cTn>
+                              </p:par>
+                            </p:childTnLst>
+                          </p:cTn>
+                        </p:par>
+                      </p:childTnLst>
+                    </p:cTn>
+                  </p:par>
+                  <p:par>
+                    <p:cTn id="9" fill="hold">
+                      <p:stCondLst>
+                        <p:cond delay="indefinite"/>
+                      </p:stCondLst>
+                      <p:childTnLst>
+                        <p:par>
+                          <p:cTn id="10" fill="hold">
+                            <p:stCondLst>
+                              <p:cond delay="0"/>
+                            </p:stCondLst>
+                            <p:childTnLst>
+                              <p:par>
+                                <p:cTn id="11" presetID="9" presetClass="entr" presetSubtype="0" fill="hold" grpId="0" nodeType="clickEffect">
+                                  <p:stCondLst>
+                                    <p:cond delay="0"/>
+                                  </p:stCondLst>
+                                  <p:childTnLst>
+                                    <p:set>
+                                      <p:cBhvr>
+                                        <p:cTn id="12" dur="1" fill="hold">
+                                          <p:stCondLst>
+                                            <p:cond delay="0"/>
+                                          </p:stCondLst>
+                                        </p:cTn>
+                                        <p:tgtEl>
+                                          <p:spTgt spid="3">
+                                            <p:txEl>
+                                              <p:pRg st="1" end="1"/>
+                                            </p:txEl>
+                                          </p:spTgt>
+                                        </p:tgtEl>
+                                        <p:attrNameLst>
+                                          <p:attrName>style.visibility</p:attrName>
+                                        </p:attrNameLst>
+                                      </p:cBhvr>
+                                      <p:to>
+                                        <p:strVal val="visible"/>
+                                      </p:to>
+                                    </p:set>
+                                    <p:animEffect transition="in" filter="dissolve">
+                                      <p:cBhvr>
+                                        <p:cTn id="13" dur="500"/>
+                                        <p:tgtEl>
+                                          <p:spTgt spid="3">
+                                            <p:txEl>
+                                              <p:pRg st="1" end="1"/>
+                                            </p:txEl>
+                                          </p:spTgt>
+                                        </p:tgtEl>
+                                      </p:cBhvr>
+                                    </p:animEffect>
+                                  </p:childTnLst>
+                                </p:cTn>
+                              </p:par>
+                              <p:par>
+                                <p:cTn id="14" presetID="9" presetClass="exit" presetSubtype="0" fill="hold" grpId="1" nodeType="withEffect">
+                                  <p:stCondLst>
+                                    <p:cond delay="0"/>
+                                  </p:stCondLst>
+                                  <p:childTnLst>
+                                    <p:animEffect transition="out" filter="dissolve">
+                                      <p:cBhvr>
+                                        <p:cTn id="15" dur="500"/>
+                                        <p:tgtEl>
+                                          <p:spTgt spid="9"/>
+                                        </p:tgtEl>
+                                      </p:cBhvr>
+                                    </p:animEffect>
+                                    <p:set>
+                                      <p:cBhvr>
+                                        <p:cTn id="16" dur="1" fill="hold">
+                                          <p:stCondLst>
+                                            <p:cond delay="499"/>
+                                          </p:stCondLst>
+                                        </p:cTn>
+                                        <p:tgtEl>
+                                          <p:spTgt spid="9"/>
+                                        </p:tgtEl>
+                                        <p:attrNameLst>
+                                          <p:attrName>style.visibility</p:attrName>
+                                        </p:attrNameLst>
+                                      </p:cBhvr>
+                                      <p:to>
+                                        <p:strVal val="hidden"/>
+                                      </p:to>
+                                    </p:set>
+                                  </p:childTnLst>
+                                </p:cTn>
+                              </p:par>
+                              <p:par>
+                                <p:cTn id="17" presetID="9" presetClass="entr" presetSubtype="0" fill="hold" nodeType="withEffect">
+                                  <p:stCondLst>
+                                    <p:cond delay="0"/>
+                                  </p:stCondLst>
+                                  <p:childTnLst>
+                                    <p:set>
+                                      <p:cBhvr>
+                                        <p:cTn id="18" dur="1" fill="hold">
+                                          <p:stCondLst>
+                                            <p:cond delay="0"/>
+                                          </p:stCondLst>
+                                        </p:cTn>
+                                        <p:tgtEl>
+                                          <p:spTgt spid="6"/>
+                                        </p:tgtEl>
+                                        <p:attrNameLst>
+                                          <p:attrName>style.visibility</p:attrName>
+                                        </p:attrNameLst>
+                                      </p:cBhvr>
+                                      <p:to>
+                                        <p:strVal val="visible"/>
+                                      </p:to>
+                                    </p:set>
+                                    <p:animEffect transition="in" filter="dissolve">
+                                      <p:cBhvr>
+                                        <p:cTn id="19" dur="500"/>
+                                        <p:tgtEl>
+                                          <p:spTgt spid="6"/>
+                                        </p:tgtEl>
+                                      </p:cBhvr>
+                                    </p:animEffect>
+                                  </p:childTnLst>
+                                </p:cTn>
+                              </p:par>
+                            </p:childTnLst>
+                          </p:cTn>
+                        </p:par>
+                      </p:childTnLst>
+                    </p:cTn>
+                  </p:par>
+                  <p:par>
+                    <p:cTn id="20" fill="hold">
+                      <p:stCondLst>
+                        <p:cond delay="indefinite"/>
+                      </p:stCondLst>
+                      <p:childTnLst>
+                        <p:par>
+                          <p:cTn id="21" fill="hold">
+                            <p:stCondLst>
+                              <p:cond delay="0"/>
+                            </p:stCondLst>
+                            <p:childTnLst>
+                              <p:par>
+                                <p:cTn id="22" presetID="9" presetClass="exit" presetSubtype="0" fill="hold" nodeType="clickEffect">
+                                  <p:stCondLst>
+                                    <p:cond delay="0"/>
+                                  </p:stCondLst>
+                                  <p:childTnLst>
+                                    <p:animEffect transition="out" filter="dissolve">
+                                      <p:cBhvr>
+                                        <p:cTn id="23" dur="500"/>
+                                        <p:tgtEl>
+                                          <p:spTgt spid="6"/>
+                                        </p:tgtEl>
+                                      </p:cBhvr>
+                                    </p:animEffect>
+                                    <p:set>
+                                      <p:cBhvr>
+                                        <p:cTn id="24" dur="1" fill="hold">
+                                          <p:stCondLst>
+                                            <p:cond delay="499"/>
+                                          </p:stCondLst>
+                                        </p:cTn>
+                                        <p:tgtEl>
+                                          <p:spTgt spid="6"/>
+                                        </p:tgtEl>
+                                        <p:attrNameLst>
+                                          <p:attrName>style.visibility</p:attrName>
+                                        </p:attrNameLst>
+                                      </p:cBhvr>
+                                      <p:to>
+                                        <p:strVal val="hidden"/>
+                                      </p:to>
+                                    </p:set>
+                                  </p:childTnLst>
+                                </p:cTn>
+                              </p:par>
+                              <p:par>
+                                <p:cTn id="25" presetID="9" presetClass="entr" presetSubtype="0" fill="hold" grpId="0" nodeType="withEffect">
+                                  <p:stCondLst>
+                                    <p:cond delay="0"/>
+                                  </p:stCondLst>
+                                  <p:childTnLst>
+                                    <p:set>
+                                      <p:cBhvr>
+                                        <p:cTn id="26" dur="1" fill="hold">
+                                          <p:stCondLst>
+                                            <p:cond delay="0"/>
+                                          </p:stCondLst>
+                                        </p:cTn>
+                                        <p:tgtEl>
+                                          <p:spTgt spid="3">
+                                            <p:txEl>
+                                              <p:pRg st="2" end="2"/>
+                                            </p:txEl>
+                                          </p:spTgt>
+                                        </p:tgtEl>
+                                        <p:attrNameLst>
+                                          <p:attrName>style.visibility</p:attrName>
+                                        </p:attrNameLst>
+                                      </p:cBhvr>
+                                      <p:to>
+                                        <p:strVal val="visible"/>
+                                      </p:to>
+                                    </p:set>
+                                    <p:animEffect transition="in" filter="dissolve">
+                                      <p:cBhvr>
+                                        <p:cTn id="27" dur="500"/>
+                                        <p:tgtEl>
+                                          <p:spTgt spid="3">
+                                            <p:txEl>
+                                              <p:pRg st="2" end="2"/>
+                                            </p:txEl>
+                                          </p:spTgt>
+                                        </p:tgtEl>
+                                      </p:cBhvr>
+                                    </p:animEffect>
+                                  </p:childTnLst>
+                                </p:cTn>
+                              </p:par>
+                            </p:childTnLst>
+                          </p:cTn>
+                        </p:par>
+                      </p:childTnLst>
+                    </p:cTn>
+                  </p:par>
+                  <p:par>
+                    <p:cTn id="28" fill="hold">
+                      <p:stCondLst>
+                        <p:cond delay="indefinite"/>
+                      </p:stCondLst>
+                      <p:childTnLst>
+                        <p:par>
+                          <p:cTn id="29" fill="hold">
+                            <p:stCondLst>
+                              <p:cond delay="0"/>
+                            </p:stCondLst>
+                            <p:childTnLst>
+                              <p:par>
+                                <p:cTn id="30" presetID="9" presetClass="entr" presetSubtype="0" fill="hold" grpId="0" nodeType="clickEffect">
+                                  <p:stCondLst>
+                                    <p:cond delay="0"/>
+                                  </p:stCondLst>
+                                  <p:childTnLst>
+                                    <p:set>
+                                      <p:cBhvr>
+                                        <p:cTn id="31" dur="1" fill="hold">
+                                          <p:stCondLst>
+                                            <p:cond delay="0"/>
+                                          </p:stCondLst>
+                                        </p:cTn>
+                                        <p:tgtEl>
+                                          <p:spTgt spid="3">
+                                            <p:txEl>
+                                              <p:pRg st="3" end="3"/>
+                                            </p:txEl>
+                                          </p:spTgt>
+                                        </p:tgtEl>
+                                        <p:attrNameLst>
+                                          <p:attrName>style.visibility</p:attrName>
+                                        </p:attrNameLst>
+                                      </p:cBhvr>
+                                      <p:to>
+                                        <p:strVal val="visible"/>
+                                      </p:to>
+                                    </p:set>
+                                    <p:animEffect transition="in" filter="dissolve">
+                                      <p:cBhvr>
+                                        <p:cTn id="32" dur="500"/>
+                                        <p:tgtEl>
+                                          <p:spTgt spid="3">
+                                            <p:txEl>
+                                              <p:pRg st="3" end="3"/>
+                                            </p:txEl>
+                                          </p:spTgt>
+                                        </p:tgtEl>
+                                      </p:cBhvr>
+                                    </p:animEffect>
+                                  </p:childTnLst>
+                                </p:cTn>
+                              </p:par>
+                              <p:par>
+                                <p:cTn id="33" presetID="9" presetClass="entr" presetSubtype="0" fill="hold" nodeType="withEffect">
+                                  <p:stCondLst>
+                                    <p:cond delay="0"/>
+                                  </p:stCondLst>
+                                  <p:childTnLst>
+                                    <p:set>
+                                      <p:cBhvr>
+                                        <p:cTn id="34" dur="1" fill="hold">
+                                          <p:stCondLst>
+                                            <p:cond delay="0"/>
+                                          </p:stCondLst>
+                                        </p:cTn>
+                                        <p:tgtEl>
+                                          <p:spTgt spid="8"/>
+                                        </p:tgtEl>
+                                        <p:attrNameLst>
+                                          <p:attrName>style.visibility</p:attrName>
+                                        </p:attrNameLst>
+                                      </p:cBhvr>
+                                      <p:to>
+                                        <p:strVal val="visible"/>
+                                      </p:to>
+                                    </p:set>
+                                    <p:animEffect transition="in" filter="dissolve">
+                                      <p:cBhvr>
+                                        <p:cTn id="35" dur="500"/>
+                                        <p:tgtEl>
+                                          <p:spTgt spid="8"/>
+                                        </p:tgtEl>
+                                      </p:cBhvr>
+                                    </p:animEffect>
+                                  </p:childTnLst>
+                                </p:cTn>
+                              </p:par>
+                            </p:childTnLst>
+                          </p:cTn>
+                        </p:par>
+                      </p:childTnLst>
+                    </p:cTn>
+                  </p:par>
+                </p:childTnLst>
+              </p:cTn>
+              <p:prevCondLst>
+                <p:cond evt="onPrev" delay="0">
+                  <p:tgtEl>
+                    <p:sldTgt/>
+                  </p:tgtEl>
+                </p:cond>
+              </p:prevCondLst>
+              <p:nextCondLst>
+                <p:cond evt="onNext" delay="0">
+                  <p:tgtEl>
+                    <p:sldTgt/>
+                  </p:tgtEl>
+                </p:cond>
+              </p:nextCondLst>
+            </p:seq>
+          </p:childTnLst>
+        </p:cTn>
+      </p:par>
+    </p:tnLst>
+    <p:bldLst>
+      <p:bldP spid="3" grpId="0" uiExpand="1" build="p"/>
+      <p:bldP spid="9" grpId="0"/>
+      <p:bldP spid="9" grpId="1"/>
+    </p:bldLst>
+  </p:timing>
 </p:sld>
 </file>
 
@@ -17233,7 +19321,7 @@
           <p:nvPr/>
         </p:nvPicPr>
         <p:blipFill>
-          <a:blip r:embed="rId2">
+          <a:blip r:embed="rId3">
             <a:extLst>
               <a:ext uri="{28A0092B-C50C-407E-A947-70E740481C1C}">
                 <a14:useLocalDpi xmlns:a14="http://schemas.microsoft.com/office/drawing/2010/main" val="0"/>
@@ -17246,14 +19334,89 @@
         </p:blipFill>
         <p:spPr>
           <a:xfrm>
-            <a:off x="169736" y="1371600"/>
-            <a:ext cx="11828290" cy="3800475"/>
+            <a:off x="1357313" y="763809"/>
+            <a:ext cx="9304293" cy="5214732"/>
           </a:xfrm>
           <a:prstGeom prst="rect">
             <a:avLst/>
           </a:prstGeom>
         </p:spPr>
       </p:pic>
+      <p:sp>
+        <p:nvSpPr>
+          <p:cNvPr id="3" name="TextBox 2">
+            <a:extLst>
+              <a:ext uri="{FF2B5EF4-FFF2-40B4-BE49-F238E27FC236}">
+                <a16:creationId xmlns:a16="http://schemas.microsoft.com/office/drawing/2014/main" id="{0522E4D7-59E3-6D41-9042-3FCFCD5D23FF}"/>
+              </a:ext>
+            </a:extLst>
+          </p:cNvPr>
+          <p:cNvSpPr txBox="1"/>
+          <p:nvPr/>
+        </p:nvSpPr>
+        <p:spPr>
+          <a:xfrm>
+            <a:off x="4088459" y="6162262"/>
+            <a:ext cx="3841997" cy="369332"/>
+          </a:xfrm>
+          <a:prstGeom prst="rect">
+            <a:avLst/>
+          </a:prstGeom>
+          <a:noFill/>
+        </p:spPr>
+        <p:txBody>
+          <a:bodyPr wrap="square" rtlCol="0">
+            <a:spAutoFit/>
+          </a:bodyPr>
+          <a:lstStyle/>
+          <a:p>
+            <a:r>
+              <a:rPr lang="en-US" dirty="0"/>
+              <a:t>19,370 players from 1872 - 2017</a:t>
+            </a:r>
+          </a:p>
+        </p:txBody>
+      </p:sp>
+      <p:sp>
+        <p:nvSpPr>
+          <p:cNvPr id="4" name="TextBox 3">
+            <a:extLst>
+              <a:ext uri="{FF2B5EF4-FFF2-40B4-BE49-F238E27FC236}">
+                <a16:creationId xmlns:a16="http://schemas.microsoft.com/office/drawing/2014/main" id="{05A48ED6-B697-B749-838A-12C5F1C1DA1B}"/>
+              </a:ext>
+            </a:extLst>
+          </p:cNvPr>
+          <p:cNvSpPr txBox="1"/>
+          <p:nvPr/>
+        </p:nvSpPr>
+        <p:spPr>
+          <a:xfrm>
+            <a:off x="0" y="6417054"/>
+            <a:ext cx="3673394" cy="338554"/>
+          </a:xfrm>
+          <a:prstGeom prst="rect">
+            <a:avLst/>
+          </a:prstGeom>
+          <a:noFill/>
+        </p:spPr>
+        <p:txBody>
+          <a:bodyPr wrap="square" rtlCol="0">
+            <a:spAutoFit/>
+          </a:bodyPr>
+          <a:lstStyle/>
+          <a:p>
+            <a:r>
+              <a:rPr lang="en-US" sz="1600" dirty="0"/>
+              <a:t>Credit: </a:t>
+            </a:r>
+            <a:r>
+              <a:rPr lang="en-US" sz="1600" dirty="0" err="1"/>
+              <a:t>www.seanlahman.com</a:t>
+            </a:r>
+            <a:endParaRPr lang="en-US" sz="1600" dirty="0"/>
+          </a:p>
+        </p:txBody>
+      </p:sp>
     </p:spTree>
     <p:extLst>
       <p:ext uri="{BB962C8B-B14F-4D97-AF65-F5344CB8AC3E}">
@@ -17319,8 +19482,8 @@
           </a:p>
         </p:txBody>
       </p:sp>
-      <mc:AlternateContent xmlns:mc="http://schemas.openxmlformats.org/markup-compatibility/2006">
-        <mc:Choice xmlns:a14="http://schemas.microsoft.com/office/drawing/2010/main" Requires="a14">
+      <mc:AlternateContent xmlns:mc="http://schemas.openxmlformats.org/markup-compatibility/2006" xmlns:a14="http://schemas.microsoft.com/office/drawing/2010/main">
+        <mc:Choice Requires="a14">
           <p:graphicFrame>
             <p:nvGraphicFramePr>
               <p:cNvPr id="4" name="Diagram 3">
@@ -17339,12 +19502,12 @@
             </p:xfrm>
             <a:graphic>
               <a:graphicData uri="http://schemas.openxmlformats.org/drawingml/2006/diagram">
-                <dgm:relIds xmlns:dgm="http://schemas.openxmlformats.org/drawingml/2006/diagram" xmlns:r="http://schemas.openxmlformats.org/officeDocument/2006/relationships" r:dm="rId2" r:lo="rId3" r:qs="rId4" r:cs="rId5"/>
+                <dgm:relIds xmlns:dgm="http://schemas.openxmlformats.org/drawingml/2006/diagram" xmlns:r="http://schemas.openxmlformats.org/officeDocument/2006/relationships" r:dm="rId3" r:lo="rId4" r:qs="rId5" r:cs="rId6"/>
               </a:graphicData>
             </a:graphic>
           </p:graphicFrame>
         </mc:Choice>
-        <mc:Fallback>
+        <mc:Fallback xmlns="">
           <p:graphicFrame>
             <p:nvGraphicFramePr>
               <p:cNvPr id="4" name="Diagram 3">
@@ -17363,14 +19526,14 @@
             </p:xfrm>
             <a:graphic>
               <a:graphicData uri="http://schemas.openxmlformats.org/drawingml/2006/diagram">
-                <dgm:relIds xmlns:dgm="http://schemas.openxmlformats.org/drawingml/2006/diagram" xmlns:r="http://schemas.openxmlformats.org/officeDocument/2006/relationships" r:dm="rId7" r:lo="rId3" r:qs="rId4" r:cs="rId5"/>
+                <dgm:relIds xmlns:dgm="http://schemas.openxmlformats.org/drawingml/2006/diagram" xmlns:r="http://schemas.openxmlformats.org/officeDocument/2006/relationships" r:dm="rId8" r:lo="rId9" r:qs="rId10" r:cs="rId11"/>
               </a:graphicData>
             </a:graphic>
           </p:graphicFrame>
         </mc:Fallback>
       </mc:AlternateContent>
-      <mc:AlternateContent xmlns:mc="http://schemas.openxmlformats.org/markup-compatibility/2006">
-        <mc:Choice xmlns:a14="http://schemas.microsoft.com/office/drawing/2010/main" Requires="a14">
+      <mc:AlternateContent xmlns:mc="http://schemas.openxmlformats.org/markup-compatibility/2006" xmlns:a14="http://schemas.microsoft.com/office/drawing/2010/main">
+        <mc:Choice Requires="a14">
           <p:graphicFrame>
             <p:nvGraphicFramePr>
               <p:cNvPr id="5" name="Diagram 4">
@@ -17389,12 +19552,12 @@
             </p:xfrm>
             <a:graphic>
               <a:graphicData uri="http://schemas.openxmlformats.org/drawingml/2006/diagram">
-                <dgm:relIds xmlns:dgm="http://schemas.openxmlformats.org/drawingml/2006/diagram" xmlns:r="http://schemas.openxmlformats.org/officeDocument/2006/relationships" r:dm="rId8" r:lo="rId9" r:qs="rId10" r:cs="rId11"/>
+                <dgm:relIds xmlns:dgm="http://schemas.openxmlformats.org/drawingml/2006/diagram" xmlns:r="http://schemas.openxmlformats.org/officeDocument/2006/relationships" r:dm="rId12" r:lo="rId13" r:qs="rId14" r:cs="rId15"/>
               </a:graphicData>
             </a:graphic>
           </p:graphicFrame>
         </mc:Choice>
-        <mc:Fallback>
+        <mc:Fallback xmlns="">
           <p:graphicFrame>
             <p:nvGraphicFramePr>
               <p:cNvPr id="5" name="Diagram 4">
@@ -17413,14 +19576,14 @@
             </p:xfrm>
             <a:graphic>
               <a:graphicData uri="http://schemas.openxmlformats.org/drawingml/2006/diagram">
-                <dgm:relIds xmlns:dgm="http://schemas.openxmlformats.org/drawingml/2006/diagram" xmlns:r="http://schemas.openxmlformats.org/officeDocument/2006/relationships" r:dm="rId13" r:lo="rId9" r:qs="rId10" r:cs="rId11"/>
+                <dgm:relIds xmlns:dgm="http://schemas.openxmlformats.org/drawingml/2006/diagram" xmlns:r="http://schemas.openxmlformats.org/officeDocument/2006/relationships" r:dm="rId17" r:lo="rId18" r:qs="rId19" r:cs="rId20"/>
               </a:graphicData>
             </a:graphic>
           </p:graphicFrame>
         </mc:Fallback>
       </mc:AlternateContent>
-      <mc:AlternateContent xmlns:mc="http://schemas.openxmlformats.org/markup-compatibility/2006">
-        <mc:Choice xmlns:a14="http://schemas.microsoft.com/office/drawing/2010/main" Requires="a14">
+      <mc:AlternateContent xmlns:mc="http://schemas.openxmlformats.org/markup-compatibility/2006" xmlns:a14="http://schemas.microsoft.com/office/drawing/2010/main">
+        <mc:Choice Requires="a14">
           <p:graphicFrame>
             <p:nvGraphicFramePr>
               <p:cNvPr id="6" name="Diagram 5">
@@ -17439,12 +19602,12 @@
             </p:xfrm>
             <a:graphic>
               <a:graphicData uri="http://schemas.openxmlformats.org/drawingml/2006/diagram">
-                <dgm:relIds xmlns:dgm="http://schemas.openxmlformats.org/drawingml/2006/diagram" xmlns:r="http://schemas.openxmlformats.org/officeDocument/2006/relationships" r:dm="rId14" r:lo="rId15" r:qs="rId16" r:cs="rId17"/>
+                <dgm:relIds xmlns:dgm="http://schemas.openxmlformats.org/drawingml/2006/diagram" xmlns:r="http://schemas.openxmlformats.org/officeDocument/2006/relationships" r:dm="rId21" r:lo="rId22" r:qs="rId23" r:cs="rId24"/>
               </a:graphicData>
             </a:graphic>
           </p:graphicFrame>
         </mc:Choice>
-        <mc:Fallback>
+        <mc:Fallback xmlns="">
           <p:graphicFrame>
             <p:nvGraphicFramePr>
               <p:cNvPr id="6" name="Diagram 5">
@@ -17463,7 +19626,7 @@
             </p:xfrm>
             <a:graphic>
               <a:graphicData uri="http://schemas.openxmlformats.org/drawingml/2006/diagram">
-                <dgm:relIds xmlns:dgm="http://schemas.openxmlformats.org/drawingml/2006/diagram" xmlns:r="http://schemas.openxmlformats.org/officeDocument/2006/relationships" r:dm="rId19" r:lo="rId15" r:qs="rId16" r:cs="rId17"/>
+                <dgm:relIds xmlns:dgm="http://schemas.openxmlformats.org/drawingml/2006/diagram" xmlns:r="http://schemas.openxmlformats.org/officeDocument/2006/relationships" r:dm="rId26" r:lo="rId27" r:qs="rId28" r:cs="rId29"/>
               </a:graphicData>
             </a:graphic>
           </p:graphicFrame>
@@ -17594,6 +19757,224 @@
   <p:clrMapOvr>
     <a:masterClrMapping/>
   </p:clrMapOvr>
+  <p:timing>
+    <p:tnLst>
+      <p:par>
+        <p:cTn id="1" dur="indefinite" restart="never" nodeType="tmRoot">
+          <p:childTnLst>
+            <p:seq concurrent="1" nextAc="seek">
+              <p:cTn id="2" dur="indefinite" nodeType="mainSeq">
+                <p:childTnLst>
+                  <p:par>
+                    <p:cTn id="3" fill="hold">
+                      <p:stCondLst>
+                        <p:cond delay="indefinite"/>
+                      </p:stCondLst>
+                      <p:childTnLst>
+                        <p:par>
+                          <p:cTn id="4" fill="hold">
+                            <p:stCondLst>
+                              <p:cond delay="0"/>
+                            </p:stCondLst>
+                            <p:childTnLst>
+                              <p:par>
+                                <p:cTn id="5" presetID="9" presetClass="entr" presetSubtype="0" fill="hold" grpId="0" nodeType="clickEffect">
+                                  <p:stCondLst>
+                                    <p:cond delay="0"/>
+                                  </p:stCondLst>
+                                  <p:childTnLst>
+                                    <p:set>
+                                      <p:cBhvr>
+                                        <p:cTn id="6" dur="1" fill="hold">
+                                          <p:stCondLst>
+                                            <p:cond delay="0"/>
+                                          </p:stCondLst>
+                                        </p:cTn>
+                                        <p:tgtEl>
+                                          <p:spTgt spid="7">
+                                            <p:txEl>
+                                              <p:pRg st="0" end="0"/>
+                                            </p:txEl>
+                                          </p:spTgt>
+                                        </p:tgtEl>
+                                        <p:attrNameLst>
+                                          <p:attrName>style.visibility</p:attrName>
+                                        </p:attrNameLst>
+                                      </p:cBhvr>
+                                      <p:to>
+                                        <p:strVal val="visible"/>
+                                      </p:to>
+                                    </p:set>
+                                    <p:animEffect transition="in" filter="dissolve">
+                                      <p:cBhvr>
+                                        <p:cTn id="7" dur="500"/>
+                                        <p:tgtEl>
+                                          <p:spTgt spid="7">
+                                            <p:txEl>
+                                              <p:pRg st="0" end="0"/>
+                                            </p:txEl>
+                                          </p:spTgt>
+                                        </p:tgtEl>
+                                      </p:cBhvr>
+                                    </p:animEffect>
+                                  </p:childTnLst>
+                                </p:cTn>
+                              </p:par>
+                            </p:childTnLst>
+                          </p:cTn>
+                        </p:par>
+                      </p:childTnLst>
+                    </p:cTn>
+                  </p:par>
+                  <p:par>
+                    <p:cTn id="8" fill="hold">
+                      <p:stCondLst>
+                        <p:cond delay="indefinite"/>
+                      </p:stCondLst>
+                      <p:childTnLst>
+                        <p:par>
+                          <p:cTn id="9" fill="hold">
+                            <p:stCondLst>
+                              <p:cond delay="0"/>
+                            </p:stCondLst>
+                            <p:childTnLst>
+                              <p:par>
+                                <p:cTn id="10" presetID="9" presetClass="entr" presetSubtype="0" fill="hold" grpId="0" nodeType="clickEffect">
+                                  <p:stCondLst>
+                                    <p:cond delay="0"/>
+                                  </p:stCondLst>
+                                  <p:childTnLst>
+                                    <p:set>
+                                      <p:cBhvr>
+                                        <p:cTn id="11" dur="1" fill="hold">
+                                          <p:stCondLst>
+                                            <p:cond delay="0"/>
+                                          </p:stCondLst>
+                                        </p:cTn>
+                                        <p:tgtEl>
+                                          <p:spTgt spid="10">
+                                            <p:txEl>
+                                              <p:pRg st="0" end="0"/>
+                                            </p:txEl>
+                                          </p:spTgt>
+                                        </p:tgtEl>
+                                        <p:attrNameLst>
+                                          <p:attrName>style.visibility</p:attrName>
+                                        </p:attrNameLst>
+                                      </p:cBhvr>
+                                      <p:to>
+                                        <p:strVal val="visible"/>
+                                      </p:to>
+                                    </p:set>
+                                    <p:animEffect transition="in" filter="dissolve">
+                                      <p:cBhvr>
+                                        <p:cTn id="12" dur="500"/>
+                                        <p:tgtEl>
+                                          <p:spTgt spid="10">
+                                            <p:txEl>
+                                              <p:pRg st="0" end="0"/>
+                                            </p:txEl>
+                                          </p:spTgt>
+                                        </p:tgtEl>
+                                      </p:cBhvr>
+                                    </p:animEffect>
+                                  </p:childTnLst>
+                                </p:cTn>
+                              </p:par>
+                            </p:childTnLst>
+                          </p:cTn>
+                        </p:par>
+                      </p:childTnLst>
+                    </p:cTn>
+                  </p:par>
+                  <p:par>
+                    <p:cTn id="13" fill="hold">
+                      <p:stCondLst>
+                        <p:cond delay="indefinite"/>
+                      </p:stCondLst>
+                      <p:childTnLst>
+                        <p:par>
+                          <p:cTn id="14" fill="hold">
+                            <p:stCondLst>
+                              <p:cond delay="0"/>
+                            </p:stCondLst>
+                            <p:childTnLst>
+                              <p:par>
+                                <p:cTn id="15" presetID="9" presetClass="entr" presetSubtype="0" fill="hold" grpId="0" nodeType="clickEffect">
+                                  <p:stCondLst>
+                                    <p:cond delay="0"/>
+                                  </p:stCondLst>
+                                  <p:childTnLst>
+                                    <p:set>
+                                      <p:cBhvr>
+                                        <p:cTn id="16" dur="1" fill="hold">
+                                          <p:stCondLst>
+                                            <p:cond delay="0"/>
+                                          </p:stCondLst>
+                                        </p:cTn>
+                                        <p:tgtEl>
+                                          <p:spTgt spid="9">
+                                            <p:txEl>
+                                              <p:pRg st="0" end="0"/>
+                                            </p:txEl>
+                                          </p:spTgt>
+                                        </p:tgtEl>
+                                        <p:attrNameLst>
+                                          <p:attrName>style.visibility</p:attrName>
+                                        </p:attrNameLst>
+                                      </p:cBhvr>
+                                      <p:to>
+                                        <p:strVal val="visible"/>
+                                      </p:to>
+                                    </p:set>
+                                    <p:animEffect transition="in" filter="dissolve">
+                                      <p:cBhvr>
+                                        <p:cTn id="17" dur="500"/>
+                                        <p:tgtEl>
+                                          <p:spTgt spid="9">
+                                            <p:txEl>
+                                              <p:pRg st="0" end="0"/>
+                                            </p:txEl>
+                                          </p:spTgt>
+                                        </p:tgtEl>
+                                      </p:cBhvr>
+                                    </p:animEffect>
+                                  </p:childTnLst>
+                                </p:cTn>
+                              </p:par>
+                            </p:childTnLst>
+                          </p:cTn>
+                        </p:par>
+                      </p:childTnLst>
+                    </p:cTn>
+                  </p:par>
+                </p:childTnLst>
+              </p:cTn>
+              <p:prevCondLst>
+                <p:cond evt="onPrev" delay="0">
+                  <p:tgtEl>
+                    <p:sldTgt/>
+                  </p:tgtEl>
+                </p:cond>
+              </p:prevCondLst>
+              <p:nextCondLst>
+                <p:cond evt="onNext" delay="0">
+                  <p:tgtEl>
+                    <p:sldTgt/>
+                  </p:tgtEl>
+                </p:cond>
+              </p:nextCondLst>
+            </p:seq>
+          </p:childTnLst>
+        </p:cTn>
+      </p:par>
+    </p:tnLst>
+    <p:bldLst>
+      <p:bldP spid="7" grpId="0" build="p"/>
+      <p:bldP spid="9" grpId="0" build="p"/>
+      <p:bldP spid="10" grpId="0" build="p"/>
+    </p:bldLst>
+  </p:timing>
 </p:sld>
 </file>
 
@@ -17951,6 +20332,41 @@
           </a:p>
         </p:txBody>
       </p:sp>
+      <p:sp>
+        <p:nvSpPr>
+          <p:cNvPr id="3" name="TextBox 2">
+            <a:extLst>
+              <a:ext uri="{FF2B5EF4-FFF2-40B4-BE49-F238E27FC236}">
+                <a16:creationId xmlns:a16="http://schemas.microsoft.com/office/drawing/2014/main" id="{93D7B175-0194-834B-B8D8-22775B35EF97}"/>
+              </a:ext>
+            </a:extLst>
+          </p:cNvPr>
+          <p:cNvSpPr txBox="1"/>
+          <p:nvPr/>
+        </p:nvSpPr>
+        <p:spPr>
+          <a:xfrm>
+            <a:off x="10294327" y="1948070"/>
+            <a:ext cx="1897673" cy="646331"/>
+          </a:xfrm>
+          <a:prstGeom prst="rect">
+            <a:avLst/>
+          </a:prstGeom>
+          <a:noFill/>
+        </p:spPr>
+        <p:txBody>
+          <a:bodyPr wrap="square" rtlCol="0">
+            <a:spAutoFit/>
+          </a:bodyPr>
+          <a:lstStyle/>
+          <a:p>
+            <a:r>
+              <a:rPr lang="en-US" dirty="0"/>
+              <a:t>Perfect Predictions: 25</a:t>
+            </a:r>
+          </a:p>
+        </p:txBody>
+      </p:sp>
     </p:spTree>
     <p:extLst>
       <p:ext uri="{BB962C8B-B14F-4D97-AF65-F5344CB8AC3E}">
@@ -17961,6 +20377,339 @@
   <p:clrMapOvr>
     <a:masterClrMapping/>
   </p:clrMapOvr>
+  <p:timing>
+    <p:tnLst>
+      <p:par>
+        <p:cTn id="1" dur="indefinite" restart="never" nodeType="tmRoot">
+          <p:childTnLst>
+            <p:seq concurrent="1" nextAc="seek">
+              <p:cTn id="2" dur="indefinite" nodeType="mainSeq">
+                <p:childTnLst>
+                  <p:par>
+                    <p:cTn id="3" fill="hold">
+                      <p:stCondLst>
+                        <p:cond delay="indefinite"/>
+                      </p:stCondLst>
+                      <p:childTnLst>
+                        <p:par>
+                          <p:cTn id="4" fill="hold">
+                            <p:stCondLst>
+                              <p:cond delay="0"/>
+                            </p:stCondLst>
+                            <p:childTnLst>
+                              <p:par>
+                                <p:cTn id="5" presetID="9" presetClass="entr" presetSubtype="0" fill="hold" nodeType="clickEffect">
+                                  <p:stCondLst>
+                                    <p:cond delay="0"/>
+                                  </p:stCondLst>
+                                  <p:childTnLst>
+                                    <p:set>
+                                      <p:cBhvr>
+                                        <p:cTn id="6" dur="1" fill="hold">
+                                          <p:stCondLst>
+                                            <p:cond delay="0"/>
+                                          </p:stCondLst>
+                                        </p:cTn>
+                                        <p:tgtEl>
+                                          <p:spTgt spid="7"/>
+                                        </p:tgtEl>
+                                        <p:attrNameLst>
+                                          <p:attrName>style.visibility</p:attrName>
+                                        </p:attrNameLst>
+                                      </p:cBhvr>
+                                      <p:to>
+                                        <p:strVal val="visible"/>
+                                      </p:to>
+                                    </p:set>
+                                    <p:animEffect transition="in" filter="dissolve">
+                                      <p:cBhvr>
+                                        <p:cTn id="7" dur="500"/>
+                                        <p:tgtEl>
+                                          <p:spTgt spid="7"/>
+                                        </p:tgtEl>
+                                      </p:cBhvr>
+                                    </p:animEffect>
+                                  </p:childTnLst>
+                                </p:cTn>
+                              </p:par>
+                              <p:par>
+                                <p:cTn id="8" presetID="9" presetClass="entr" presetSubtype="0" fill="hold" nodeType="withEffect">
+                                  <p:stCondLst>
+                                    <p:cond delay="0"/>
+                                  </p:stCondLst>
+                                  <p:childTnLst>
+                                    <p:set>
+                                      <p:cBhvr>
+                                        <p:cTn id="9" dur="1" fill="hold">
+                                          <p:stCondLst>
+                                            <p:cond delay="0"/>
+                                          </p:stCondLst>
+                                        </p:cTn>
+                                        <p:tgtEl>
+                                          <p:spTgt spid="9"/>
+                                        </p:tgtEl>
+                                        <p:attrNameLst>
+                                          <p:attrName>style.visibility</p:attrName>
+                                        </p:attrNameLst>
+                                      </p:cBhvr>
+                                      <p:to>
+                                        <p:strVal val="visible"/>
+                                      </p:to>
+                                    </p:set>
+                                    <p:animEffect transition="in" filter="dissolve">
+                                      <p:cBhvr>
+                                        <p:cTn id="10" dur="500"/>
+                                        <p:tgtEl>
+                                          <p:spTgt spid="9"/>
+                                        </p:tgtEl>
+                                      </p:cBhvr>
+                                    </p:animEffect>
+                                  </p:childTnLst>
+                                </p:cTn>
+                              </p:par>
+                            </p:childTnLst>
+                          </p:cTn>
+                        </p:par>
+                      </p:childTnLst>
+                    </p:cTn>
+                  </p:par>
+                  <p:par>
+                    <p:cTn id="11" fill="hold">
+                      <p:stCondLst>
+                        <p:cond delay="indefinite"/>
+                      </p:stCondLst>
+                      <p:childTnLst>
+                        <p:par>
+                          <p:cTn id="12" fill="hold">
+                            <p:stCondLst>
+                              <p:cond delay="0"/>
+                            </p:stCondLst>
+                            <p:childTnLst>
+                              <p:par>
+                                <p:cTn id="13" presetID="9" presetClass="entr" presetSubtype="0" fill="hold" nodeType="clickEffect">
+                                  <p:stCondLst>
+                                    <p:cond delay="0"/>
+                                  </p:stCondLst>
+                                  <p:childTnLst>
+                                    <p:set>
+                                      <p:cBhvr>
+                                        <p:cTn id="14" dur="1" fill="hold">
+                                          <p:stCondLst>
+                                            <p:cond delay="0"/>
+                                          </p:stCondLst>
+                                        </p:cTn>
+                                        <p:tgtEl>
+                                          <p:spTgt spid="11"/>
+                                        </p:tgtEl>
+                                        <p:attrNameLst>
+                                          <p:attrName>style.visibility</p:attrName>
+                                        </p:attrNameLst>
+                                      </p:cBhvr>
+                                      <p:to>
+                                        <p:strVal val="visible"/>
+                                      </p:to>
+                                    </p:set>
+                                    <p:animEffect transition="in" filter="dissolve">
+                                      <p:cBhvr>
+                                        <p:cTn id="15" dur="500"/>
+                                        <p:tgtEl>
+                                          <p:spTgt spid="11"/>
+                                        </p:tgtEl>
+                                      </p:cBhvr>
+                                    </p:animEffect>
+                                  </p:childTnLst>
+                                </p:cTn>
+                              </p:par>
+                              <p:par>
+                                <p:cTn id="16" presetID="9" presetClass="entr" presetSubtype="0" fill="hold" grpId="0" nodeType="withEffect">
+                                  <p:stCondLst>
+                                    <p:cond delay="0"/>
+                                  </p:stCondLst>
+                                  <p:childTnLst>
+                                    <p:set>
+                                      <p:cBhvr>
+                                        <p:cTn id="17" dur="1" fill="hold">
+                                          <p:stCondLst>
+                                            <p:cond delay="0"/>
+                                          </p:stCondLst>
+                                        </p:cTn>
+                                        <p:tgtEl>
+                                          <p:spTgt spid="17"/>
+                                        </p:tgtEl>
+                                        <p:attrNameLst>
+                                          <p:attrName>style.visibility</p:attrName>
+                                        </p:attrNameLst>
+                                      </p:cBhvr>
+                                      <p:to>
+                                        <p:strVal val="visible"/>
+                                      </p:to>
+                                    </p:set>
+                                    <p:animEffect transition="in" filter="dissolve">
+                                      <p:cBhvr>
+                                        <p:cTn id="18" dur="500"/>
+                                        <p:tgtEl>
+                                          <p:spTgt spid="17"/>
+                                        </p:tgtEl>
+                                      </p:cBhvr>
+                                    </p:animEffect>
+                                  </p:childTnLst>
+                                </p:cTn>
+                              </p:par>
+                              <p:par>
+                                <p:cTn id="19" presetID="9" presetClass="entr" presetSubtype="0" fill="hold" nodeType="withEffect">
+                                  <p:stCondLst>
+                                    <p:cond delay="0"/>
+                                  </p:stCondLst>
+                                  <p:childTnLst>
+                                    <p:set>
+                                      <p:cBhvr>
+                                        <p:cTn id="20" dur="1" fill="hold">
+                                          <p:stCondLst>
+                                            <p:cond delay="0"/>
+                                          </p:stCondLst>
+                                        </p:cTn>
+                                        <p:tgtEl>
+                                          <p:spTgt spid="13"/>
+                                        </p:tgtEl>
+                                        <p:attrNameLst>
+                                          <p:attrName>style.visibility</p:attrName>
+                                        </p:attrNameLst>
+                                      </p:cBhvr>
+                                      <p:to>
+                                        <p:strVal val="visible"/>
+                                      </p:to>
+                                    </p:set>
+                                    <p:animEffect transition="in" filter="dissolve">
+                                      <p:cBhvr>
+                                        <p:cTn id="21" dur="500"/>
+                                        <p:tgtEl>
+                                          <p:spTgt spid="13"/>
+                                        </p:tgtEl>
+                                      </p:cBhvr>
+                                    </p:animEffect>
+                                  </p:childTnLst>
+                                </p:cTn>
+                              </p:par>
+                              <p:par>
+                                <p:cTn id="22" presetID="9" presetClass="entr" presetSubtype="0" fill="hold" grpId="0" nodeType="withEffect">
+                                  <p:stCondLst>
+                                    <p:cond delay="0"/>
+                                  </p:stCondLst>
+                                  <p:childTnLst>
+                                    <p:set>
+                                      <p:cBhvr>
+                                        <p:cTn id="23" dur="1" fill="hold">
+                                          <p:stCondLst>
+                                            <p:cond delay="0"/>
+                                          </p:stCondLst>
+                                        </p:cTn>
+                                        <p:tgtEl>
+                                          <p:spTgt spid="3"/>
+                                        </p:tgtEl>
+                                        <p:attrNameLst>
+                                          <p:attrName>style.visibility</p:attrName>
+                                        </p:attrNameLst>
+                                      </p:cBhvr>
+                                      <p:to>
+                                        <p:strVal val="visible"/>
+                                      </p:to>
+                                    </p:set>
+                                    <p:animEffect transition="in" filter="dissolve">
+                                      <p:cBhvr>
+                                        <p:cTn id="24" dur="500"/>
+                                        <p:tgtEl>
+                                          <p:spTgt spid="3"/>
+                                        </p:tgtEl>
+                                      </p:cBhvr>
+                                    </p:animEffect>
+                                  </p:childTnLst>
+                                </p:cTn>
+                              </p:par>
+                            </p:childTnLst>
+                          </p:cTn>
+                        </p:par>
+                      </p:childTnLst>
+                    </p:cTn>
+                  </p:par>
+                  <p:par>
+                    <p:cTn id="25" fill="hold">
+                      <p:stCondLst>
+                        <p:cond delay="indefinite"/>
+                      </p:stCondLst>
+                      <p:childTnLst>
+                        <p:par>
+                          <p:cTn id="26" fill="hold">
+                            <p:stCondLst>
+                              <p:cond delay="0"/>
+                            </p:stCondLst>
+                            <p:childTnLst>
+                              <p:par>
+                                <p:cTn id="27" presetID="9" presetClass="entr" presetSubtype="0" fill="hold" nodeType="clickEffect">
+                                  <p:stCondLst>
+                                    <p:cond delay="0"/>
+                                  </p:stCondLst>
+                                  <p:childTnLst>
+                                    <p:set>
+                                      <p:cBhvr>
+                                        <p:cTn id="28" dur="1" fill="hold">
+                                          <p:stCondLst>
+                                            <p:cond delay="0"/>
+                                          </p:stCondLst>
+                                        </p:cTn>
+                                        <p:tgtEl>
+                                          <p:spTgt spid="15"/>
+                                        </p:tgtEl>
+                                        <p:attrNameLst>
+                                          <p:attrName>style.visibility</p:attrName>
+                                        </p:attrNameLst>
+                                      </p:cBhvr>
+                                      <p:to>
+                                        <p:strVal val="visible"/>
+                                      </p:to>
+                                    </p:set>
+                                    <p:animEffect transition="in" filter="dissolve">
+                                      <p:cBhvr>
+                                        <p:cTn id="29" dur="500"/>
+                                        <p:tgtEl>
+                                          <p:spTgt spid="15"/>
+                                        </p:tgtEl>
+                                      </p:cBhvr>
+                                    </p:animEffect>
+                                  </p:childTnLst>
+                                </p:cTn>
+                              </p:par>
+                            </p:childTnLst>
+                          </p:cTn>
+                        </p:par>
+                      </p:childTnLst>
+                    </p:cTn>
+                  </p:par>
+                </p:childTnLst>
+              </p:cTn>
+              <p:prevCondLst>
+                <p:cond evt="onPrev" delay="0">
+                  <p:tgtEl>
+                    <p:sldTgt/>
+                  </p:tgtEl>
+                </p:cond>
+              </p:prevCondLst>
+              <p:nextCondLst>
+                <p:cond evt="onNext" delay="0">
+                  <p:tgtEl>
+                    <p:sldTgt/>
+                  </p:tgtEl>
+                </p:cond>
+              </p:nextCondLst>
+            </p:seq>
+          </p:childTnLst>
+        </p:cTn>
+      </p:par>
+    </p:tnLst>
+    <p:bldLst>
+      <p:bldP spid="17" grpId="0"/>
+      <p:bldP spid="3" grpId="0"/>
+    </p:bldLst>
+  </p:timing>
 </p:sld>
 </file>
 
@@ -18019,7 +20768,7 @@
           <a:p>
             <a:r>
               <a:rPr lang="en-US" sz="3600" dirty="0"/>
-              <a:t>Random (decision) Forest</a:t>
+              <a:t>Random Forest</a:t>
             </a:r>
           </a:p>
         </p:txBody>
@@ -18123,7 +20872,7 @@
         </p:blipFill>
         <p:spPr>
           <a:xfrm>
-            <a:off x="6353984" y="603405"/>
+            <a:off x="5886679" y="537144"/>
             <a:ext cx="4478145" cy="3039908"/>
           </a:xfrm>
           <a:prstGeom prst="rect">
@@ -18159,7 +20908,7 @@
         </p:blipFill>
         <p:spPr>
           <a:xfrm>
-            <a:off x="6464851" y="4087296"/>
+            <a:off x="5997546" y="4021035"/>
             <a:ext cx="4296780" cy="2213492"/>
           </a:xfrm>
           <a:prstGeom prst="rect">
@@ -18217,7 +20966,7 @@
         </p:nvSpPr>
         <p:spPr>
           <a:xfrm>
-            <a:off x="8329613" y="3407985"/>
+            <a:off x="7862308" y="3341724"/>
             <a:ext cx="1885950" cy="707886"/>
           </a:xfrm>
           <a:prstGeom prst="rect">
@@ -18238,6 +20987,41 @@
           </a:p>
         </p:txBody>
       </p:sp>
+      <p:sp>
+        <p:nvSpPr>
+          <p:cNvPr id="9" name="TextBox 8">
+            <a:extLst>
+              <a:ext uri="{FF2B5EF4-FFF2-40B4-BE49-F238E27FC236}">
+                <a16:creationId xmlns:a16="http://schemas.microsoft.com/office/drawing/2014/main" id="{BC81CAF7-D104-BA46-AE32-16C84A03413A}"/>
+              </a:ext>
+            </a:extLst>
+          </p:cNvPr>
+          <p:cNvSpPr txBox="1"/>
+          <p:nvPr/>
+        </p:nvSpPr>
+        <p:spPr>
+          <a:xfrm>
+            <a:off x="10294327" y="1948070"/>
+            <a:ext cx="1897673" cy="646331"/>
+          </a:xfrm>
+          <a:prstGeom prst="rect">
+            <a:avLst/>
+          </a:prstGeom>
+          <a:noFill/>
+        </p:spPr>
+        <p:txBody>
+          <a:bodyPr wrap="square" rtlCol="0">
+            <a:spAutoFit/>
+          </a:bodyPr>
+          <a:lstStyle/>
+          <a:p>
+            <a:r>
+              <a:rPr lang="en-US" dirty="0"/>
+              <a:t>Perfect Predictions: 48</a:t>
+            </a:r>
+          </a:p>
+        </p:txBody>
+      </p:sp>
     </p:spTree>
     <p:extLst>
       <p:ext uri="{BB962C8B-B14F-4D97-AF65-F5344CB8AC3E}">
@@ -18248,6 +21032,339 @@
   <p:clrMapOvr>
     <a:masterClrMapping/>
   </p:clrMapOvr>
+  <p:timing>
+    <p:tnLst>
+      <p:par>
+        <p:cTn id="1" dur="indefinite" restart="never" nodeType="tmRoot">
+          <p:childTnLst>
+            <p:seq concurrent="1" nextAc="seek">
+              <p:cTn id="2" dur="indefinite" nodeType="mainSeq">
+                <p:childTnLst>
+                  <p:par>
+                    <p:cTn id="3" fill="hold">
+                      <p:stCondLst>
+                        <p:cond delay="indefinite"/>
+                      </p:stCondLst>
+                      <p:childTnLst>
+                        <p:par>
+                          <p:cTn id="4" fill="hold">
+                            <p:stCondLst>
+                              <p:cond delay="0"/>
+                            </p:stCondLst>
+                            <p:childTnLst>
+                              <p:par>
+                                <p:cTn id="5" presetID="9" presetClass="entr" presetSubtype="0" fill="hold" nodeType="clickEffect">
+                                  <p:stCondLst>
+                                    <p:cond delay="0"/>
+                                  </p:stCondLst>
+                                  <p:childTnLst>
+                                    <p:set>
+                                      <p:cBhvr>
+                                        <p:cTn id="6" dur="1" fill="hold">
+                                          <p:stCondLst>
+                                            <p:cond delay="0"/>
+                                          </p:stCondLst>
+                                        </p:cTn>
+                                        <p:tgtEl>
+                                          <p:spTgt spid="6"/>
+                                        </p:tgtEl>
+                                        <p:attrNameLst>
+                                          <p:attrName>style.visibility</p:attrName>
+                                        </p:attrNameLst>
+                                      </p:cBhvr>
+                                      <p:to>
+                                        <p:strVal val="visible"/>
+                                      </p:to>
+                                    </p:set>
+                                    <p:animEffect transition="in" filter="dissolve">
+                                      <p:cBhvr>
+                                        <p:cTn id="7" dur="500"/>
+                                        <p:tgtEl>
+                                          <p:spTgt spid="6"/>
+                                        </p:tgtEl>
+                                      </p:cBhvr>
+                                    </p:animEffect>
+                                  </p:childTnLst>
+                                </p:cTn>
+                              </p:par>
+                              <p:par>
+                                <p:cTn id="8" presetID="9" presetClass="entr" presetSubtype="0" fill="hold" nodeType="withEffect">
+                                  <p:stCondLst>
+                                    <p:cond delay="0"/>
+                                  </p:stCondLst>
+                                  <p:childTnLst>
+                                    <p:set>
+                                      <p:cBhvr>
+                                        <p:cTn id="9" dur="1" fill="hold">
+                                          <p:stCondLst>
+                                            <p:cond delay="0"/>
+                                          </p:stCondLst>
+                                        </p:cTn>
+                                        <p:tgtEl>
+                                          <p:spTgt spid="11"/>
+                                        </p:tgtEl>
+                                        <p:attrNameLst>
+                                          <p:attrName>style.visibility</p:attrName>
+                                        </p:attrNameLst>
+                                      </p:cBhvr>
+                                      <p:to>
+                                        <p:strVal val="visible"/>
+                                      </p:to>
+                                    </p:set>
+                                    <p:animEffect transition="in" filter="dissolve">
+                                      <p:cBhvr>
+                                        <p:cTn id="10" dur="500"/>
+                                        <p:tgtEl>
+                                          <p:spTgt spid="11"/>
+                                        </p:tgtEl>
+                                      </p:cBhvr>
+                                    </p:animEffect>
+                                  </p:childTnLst>
+                                </p:cTn>
+                              </p:par>
+                            </p:childTnLst>
+                          </p:cTn>
+                        </p:par>
+                      </p:childTnLst>
+                    </p:cTn>
+                  </p:par>
+                  <p:par>
+                    <p:cTn id="11" fill="hold">
+                      <p:stCondLst>
+                        <p:cond delay="indefinite"/>
+                      </p:stCondLst>
+                      <p:childTnLst>
+                        <p:par>
+                          <p:cTn id="12" fill="hold">
+                            <p:stCondLst>
+                              <p:cond delay="0"/>
+                            </p:stCondLst>
+                            <p:childTnLst>
+                              <p:par>
+                                <p:cTn id="13" presetID="9" presetClass="entr" presetSubtype="0" fill="hold" nodeType="clickEffect">
+                                  <p:stCondLst>
+                                    <p:cond delay="0"/>
+                                  </p:stCondLst>
+                                  <p:childTnLst>
+                                    <p:set>
+                                      <p:cBhvr>
+                                        <p:cTn id="14" dur="1" fill="hold">
+                                          <p:stCondLst>
+                                            <p:cond delay="0"/>
+                                          </p:stCondLst>
+                                        </p:cTn>
+                                        <p:tgtEl>
+                                          <p:spTgt spid="13"/>
+                                        </p:tgtEl>
+                                        <p:attrNameLst>
+                                          <p:attrName>style.visibility</p:attrName>
+                                        </p:attrNameLst>
+                                      </p:cBhvr>
+                                      <p:to>
+                                        <p:strVal val="visible"/>
+                                      </p:to>
+                                    </p:set>
+                                    <p:animEffect transition="in" filter="dissolve">
+                                      <p:cBhvr>
+                                        <p:cTn id="15" dur="500"/>
+                                        <p:tgtEl>
+                                          <p:spTgt spid="13"/>
+                                        </p:tgtEl>
+                                      </p:cBhvr>
+                                    </p:animEffect>
+                                  </p:childTnLst>
+                                </p:cTn>
+                              </p:par>
+                              <p:par>
+                                <p:cTn id="16" presetID="9" presetClass="entr" presetSubtype="0" fill="hold" grpId="0" nodeType="withEffect">
+                                  <p:stCondLst>
+                                    <p:cond delay="0"/>
+                                  </p:stCondLst>
+                                  <p:childTnLst>
+                                    <p:set>
+                                      <p:cBhvr>
+                                        <p:cTn id="17" dur="1" fill="hold">
+                                          <p:stCondLst>
+                                            <p:cond delay="0"/>
+                                          </p:stCondLst>
+                                        </p:cTn>
+                                        <p:tgtEl>
+                                          <p:spTgt spid="18"/>
+                                        </p:tgtEl>
+                                        <p:attrNameLst>
+                                          <p:attrName>style.visibility</p:attrName>
+                                        </p:attrNameLst>
+                                      </p:cBhvr>
+                                      <p:to>
+                                        <p:strVal val="visible"/>
+                                      </p:to>
+                                    </p:set>
+                                    <p:animEffect transition="in" filter="dissolve">
+                                      <p:cBhvr>
+                                        <p:cTn id="18" dur="500"/>
+                                        <p:tgtEl>
+                                          <p:spTgt spid="18"/>
+                                        </p:tgtEl>
+                                      </p:cBhvr>
+                                    </p:animEffect>
+                                  </p:childTnLst>
+                                </p:cTn>
+                              </p:par>
+                              <p:par>
+                                <p:cTn id="19" presetID="9" presetClass="entr" presetSubtype="0" fill="hold" grpId="0" nodeType="withEffect">
+                                  <p:stCondLst>
+                                    <p:cond delay="0"/>
+                                  </p:stCondLst>
+                                  <p:childTnLst>
+                                    <p:set>
+                                      <p:cBhvr>
+                                        <p:cTn id="20" dur="1" fill="hold">
+                                          <p:stCondLst>
+                                            <p:cond delay="0"/>
+                                          </p:stCondLst>
+                                        </p:cTn>
+                                        <p:tgtEl>
+                                          <p:spTgt spid="9"/>
+                                        </p:tgtEl>
+                                        <p:attrNameLst>
+                                          <p:attrName>style.visibility</p:attrName>
+                                        </p:attrNameLst>
+                                      </p:cBhvr>
+                                      <p:to>
+                                        <p:strVal val="visible"/>
+                                      </p:to>
+                                    </p:set>
+                                    <p:animEffect transition="in" filter="dissolve">
+                                      <p:cBhvr>
+                                        <p:cTn id="21" dur="500"/>
+                                        <p:tgtEl>
+                                          <p:spTgt spid="9"/>
+                                        </p:tgtEl>
+                                      </p:cBhvr>
+                                    </p:animEffect>
+                                  </p:childTnLst>
+                                </p:cTn>
+                              </p:par>
+                              <p:par>
+                                <p:cTn id="22" presetID="9" presetClass="entr" presetSubtype="0" fill="hold" nodeType="withEffect">
+                                  <p:stCondLst>
+                                    <p:cond delay="0"/>
+                                  </p:stCondLst>
+                                  <p:childTnLst>
+                                    <p:set>
+                                      <p:cBhvr>
+                                        <p:cTn id="23" dur="1" fill="hold">
+                                          <p:stCondLst>
+                                            <p:cond delay="0"/>
+                                          </p:stCondLst>
+                                        </p:cTn>
+                                        <p:tgtEl>
+                                          <p:spTgt spid="15"/>
+                                        </p:tgtEl>
+                                        <p:attrNameLst>
+                                          <p:attrName>style.visibility</p:attrName>
+                                        </p:attrNameLst>
+                                      </p:cBhvr>
+                                      <p:to>
+                                        <p:strVal val="visible"/>
+                                      </p:to>
+                                    </p:set>
+                                    <p:animEffect transition="in" filter="dissolve">
+                                      <p:cBhvr>
+                                        <p:cTn id="24" dur="500"/>
+                                        <p:tgtEl>
+                                          <p:spTgt spid="15"/>
+                                        </p:tgtEl>
+                                      </p:cBhvr>
+                                    </p:animEffect>
+                                  </p:childTnLst>
+                                </p:cTn>
+                              </p:par>
+                            </p:childTnLst>
+                          </p:cTn>
+                        </p:par>
+                      </p:childTnLst>
+                    </p:cTn>
+                  </p:par>
+                  <p:par>
+                    <p:cTn id="25" fill="hold">
+                      <p:stCondLst>
+                        <p:cond delay="indefinite"/>
+                      </p:stCondLst>
+                      <p:childTnLst>
+                        <p:par>
+                          <p:cTn id="26" fill="hold">
+                            <p:stCondLst>
+                              <p:cond delay="0"/>
+                            </p:stCondLst>
+                            <p:childTnLst>
+                              <p:par>
+                                <p:cTn id="27" presetID="9" presetClass="entr" presetSubtype="0" fill="hold" nodeType="clickEffect">
+                                  <p:stCondLst>
+                                    <p:cond delay="0"/>
+                                  </p:stCondLst>
+                                  <p:childTnLst>
+                                    <p:set>
+                                      <p:cBhvr>
+                                        <p:cTn id="28" dur="1" fill="hold">
+                                          <p:stCondLst>
+                                            <p:cond delay="0"/>
+                                          </p:stCondLst>
+                                        </p:cTn>
+                                        <p:tgtEl>
+                                          <p:spTgt spid="17"/>
+                                        </p:tgtEl>
+                                        <p:attrNameLst>
+                                          <p:attrName>style.visibility</p:attrName>
+                                        </p:attrNameLst>
+                                      </p:cBhvr>
+                                      <p:to>
+                                        <p:strVal val="visible"/>
+                                      </p:to>
+                                    </p:set>
+                                    <p:animEffect transition="in" filter="dissolve">
+                                      <p:cBhvr>
+                                        <p:cTn id="29" dur="500"/>
+                                        <p:tgtEl>
+                                          <p:spTgt spid="17"/>
+                                        </p:tgtEl>
+                                      </p:cBhvr>
+                                    </p:animEffect>
+                                  </p:childTnLst>
+                                </p:cTn>
+                              </p:par>
+                            </p:childTnLst>
+                          </p:cTn>
+                        </p:par>
+                      </p:childTnLst>
+                    </p:cTn>
+                  </p:par>
+                </p:childTnLst>
+              </p:cTn>
+              <p:prevCondLst>
+                <p:cond evt="onPrev" delay="0">
+                  <p:tgtEl>
+                    <p:sldTgt/>
+                  </p:tgtEl>
+                </p:cond>
+              </p:prevCondLst>
+              <p:nextCondLst>
+                <p:cond evt="onNext" delay="0">
+                  <p:tgtEl>
+                    <p:sldTgt/>
+                  </p:tgtEl>
+                </p:cond>
+              </p:nextCondLst>
+            </p:seq>
+          </p:childTnLst>
+        </p:cTn>
+      </p:par>
+    </p:tnLst>
+    <p:bldLst>
+      <p:bldP spid="18" grpId="0"/>
+      <p:bldP spid="9" grpId="0"/>
+    </p:bldLst>
+  </p:timing>
 </p:sld>
 </file>
 
